--- a/Ago-Dic-2017/Luis Estrada/Practica 2/ABSTRACT FACTORY.pptx
+++ b/Ago-Dic-2017/Luis Estrada/Practica 2/ABSTRACT FACTORY.pptx
@@ -13,10 +13,9 @@
     <p:sldId id="260" r:id="rId7"/>
     <p:sldId id="261" r:id="rId8"/>
     <p:sldId id="263" r:id="rId9"/>
-    <p:sldId id="264" r:id="rId10"/>
-    <p:sldId id="265" r:id="rId11"/>
-    <p:sldId id="266" r:id="rId12"/>
-    <p:sldId id="267" r:id="rId13"/>
+    <p:sldId id="265" r:id="rId10"/>
+    <p:sldId id="266" r:id="rId11"/>
+    <p:sldId id="267" r:id="rId12"/>
   </p:sldIdLst>
   <p:sldSz cx="9144000" cy="6858000" type="screen4x3"/>
   <p:notesSz cx="6858000" cy="9144000"/>
@@ -229,7 +228,7 @@
           <a:p>
             <a:fld id="{3DF1B27B-6B2D-4F58-9D2C-E30C96FEC045}" type="datetimeFigureOut">
               <a:rPr lang="es-MX" smtClean="0"/>
-              <a:t>21/09/2017</a:t>
+              <a:t>29/09/2017</a:t>
             </a:fld>
             <a:endParaRPr lang="es-MX"/>
           </a:p>
@@ -455,7 +454,7 @@
           <a:p>
             <a:fld id="{3DF1B27B-6B2D-4F58-9D2C-E30C96FEC045}" type="datetimeFigureOut">
               <a:rPr lang="es-MX" smtClean="0"/>
-              <a:t>21/09/2017</a:t>
+              <a:t>29/09/2017</a:t>
             </a:fld>
             <a:endParaRPr lang="es-MX"/>
           </a:p>
@@ -630,7 +629,7 @@
           <a:p>
             <a:fld id="{3DF1B27B-6B2D-4F58-9D2C-E30C96FEC045}" type="datetimeFigureOut">
               <a:rPr lang="es-MX" smtClean="0"/>
-              <a:t>21/09/2017</a:t>
+              <a:t>29/09/2017</a:t>
             </a:fld>
             <a:endParaRPr lang="es-MX"/>
           </a:p>
@@ -795,7 +794,7 @@
           <a:p>
             <a:fld id="{3DF1B27B-6B2D-4F58-9D2C-E30C96FEC045}" type="datetimeFigureOut">
               <a:rPr lang="es-MX" smtClean="0"/>
-              <a:t>21/09/2017</a:t>
+              <a:t>29/09/2017</a:t>
             </a:fld>
             <a:endParaRPr lang="es-MX"/>
           </a:p>
@@ -1039,7 +1038,7 @@
           <a:p>
             <a:fld id="{3DF1B27B-6B2D-4F58-9D2C-E30C96FEC045}" type="datetimeFigureOut">
               <a:rPr lang="es-MX" smtClean="0"/>
-              <a:t>21/09/2017</a:t>
+              <a:t>29/09/2017</a:t>
             </a:fld>
             <a:endParaRPr lang="es-MX"/>
           </a:p>
@@ -1303,7 +1302,7 @@
           <a:p>
             <a:fld id="{3DF1B27B-6B2D-4F58-9D2C-E30C96FEC045}" type="datetimeFigureOut">
               <a:rPr lang="es-MX" smtClean="0"/>
-              <a:t>21/09/2017</a:t>
+              <a:t>29/09/2017</a:t>
             </a:fld>
             <a:endParaRPr lang="es-MX"/>
           </a:p>
@@ -1677,7 +1676,7 @@
           <a:p>
             <a:fld id="{3DF1B27B-6B2D-4F58-9D2C-E30C96FEC045}" type="datetimeFigureOut">
               <a:rPr lang="es-MX" smtClean="0"/>
-              <a:t>21/09/2017</a:t>
+              <a:t>29/09/2017</a:t>
             </a:fld>
             <a:endParaRPr lang="es-MX"/>
           </a:p>
@@ -1790,7 +1789,7 @@
           <a:p>
             <a:fld id="{3DF1B27B-6B2D-4F58-9D2C-E30C96FEC045}" type="datetimeFigureOut">
               <a:rPr lang="es-MX" smtClean="0"/>
-              <a:t>21/09/2017</a:t>
+              <a:t>29/09/2017</a:t>
             </a:fld>
             <a:endParaRPr lang="es-MX"/>
           </a:p>
@@ -1880,7 +1879,7 @@
           <a:p>
             <a:fld id="{3DF1B27B-6B2D-4F58-9D2C-E30C96FEC045}" type="datetimeFigureOut">
               <a:rPr lang="es-MX" smtClean="0"/>
-              <a:t>21/09/2017</a:t>
+              <a:t>29/09/2017</a:t>
             </a:fld>
             <a:endParaRPr lang="es-MX"/>
           </a:p>
@@ -2138,7 +2137,7 @@
           <a:p>
             <a:fld id="{3DF1B27B-6B2D-4F58-9D2C-E30C96FEC045}" type="datetimeFigureOut">
               <a:rPr lang="es-MX" smtClean="0"/>
-              <a:t>21/09/2017</a:t>
+              <a:t>29/09/2017</a:t>
             </a:fld>
             <a:endParaRPr lang="es-MX"/>
           </a:p>
@@ -2402,7 +2401,7 @@
           <a:p>
             <a:fld id="{3DF1B27B-6B2D-4F58-9D2C-E30C96FEC045}" type="datetimeFigureOut">
               <a:rPr lang="es-MX" smtClean="0"/>
-              <a:t>21/09/2017</a:t>
+              <a:t>29/09/2017</a:t>
             </a:fld>
             <a:endParaRPr lang="es-MX"/>
           </a:p>
@@ -2619,7 +2618,7 @@
           <a:p>
             <a:fld id="{3DF1B27B-6B2D-4F58-9D2C-E30C96FEC045}" type="datetimeFigureOut">
               <a:rPr lang="es-MX" smtClean="0"/>
-              <a:t>21/09/2017</a:t>
+              <a:t>29/09/2017</a:t>
             </a:fld>
             <a:endParaRPr lang="es-MX"/>
           </a:p>
@@ -3085,13 +3084,19 @@
         <p:spPr/>
         <p:txBody>
           <a:bodyPr>
-            <a:normAutofit fontScale="85000" lnSpcReduction="10000"/>
+            <a:normAutofit fontScale="92500" lnSpcReduction="20000"/>
           </a:bodyPr>
           <a:lstStyle/>
           <a:p>
             <a:r>
+              <a:rPr lang="es-MX" dirty="0">
+                <a:latin typeface="Bodoni MT" panose="02070603080606020203" pitchFamily="18" charset="0"/>
+              </a:rPr>
+              <a:t>El patrón abstracto de la fábrica se diseña para las situaciones donde queremos crear los objetos complejos que se componen de otros objetos y donde los objetos compuestos son todos de una "familia" particular</a:t>
+            </a:r>
+            <a:r>
               <a:rPr lang="es-MX" dirty="0"/>
-              <a:t>El patrón abstracto de la fábrica se diseña para las situaciones donde queremos crear los objetos complejos que se componen de otros objetos y donde los objetos compuestos son todos de una "familia" particular.</a:t>
+              <a:t>.</a:t>
             </a:r>
           </a:p>
         </p:txBody>
@@ -3106,6 +3111,13 @@
   <p:clrMapOvr>
     <a:masterClrMapping/>
   </p:clrMapOvr>
+  <p:timing>
+    <p:tnLst>
+      <p:par>
+        <p:cTn id="1" dur="indefinite" restart="never" nodeType="tmRoot"/>
+      </p:par>
+    </p:tnLst>
+  </p:timing>
 </p:sld>
 </file>
 
@@ -3138,8 +3150,8 @@
         </p:nvSpPr>
         <p:spPr>
           <a:xfrm>
-            <a:off x="457200" y="260648"/>
-            <a:ext cx="8229600" cy="5865515"/>
+            <a:off x="457200" y="476672"/>
+            <a:ext cx="8229600" cy="5649491"/>
           </a:xfrm>
         </p:spPr>
         <p:txBody>
@@ -3147,158 +3159,114 @@
           <a:lstStyle/>
           <a:p>
             <a:r>
-              <a:rPr lang="en-BZ" dirty="0" err="1" smtClean="0"/>
-              <a:t>Usos</a:t>
-            </a:r>
-            <a:r>
-              <a:rPr lang="en-BZ" dirty="0" smtClean="0"/>
+              <a:rPr lang="en-BZ" dirty="0" smtClean="0">
+                <a:latin typeface="Bodoni MT" panose="02070603080606020203" pitchFamily="18" charset="0"/>
+              </a:rPr>
+              <a:t>Los </a:t>
+            </a:r>
+            <a:r>
+              <a:rPr lang="en-BZ" dirty="0" err="1" smtClean="0">
+                <a:latin typeface="Bodoni MT" panose="02070603080606020203" pitchFamily="18" charset="0"/>
+              </a:rPr>
+              <a:t>patrones</a:t>
+            </a:r>
+            <a:r>
+              <a:rPr lang="en-BZ" dirty="0" smtClean="0">
+                <a:latin typeface="Bodoni MT" panose="02070603080606020203" pitchFamily="18" charset="0"/>
+              </a:rPr>
               <a:t> </a:t>
             </a:r>
             <a:r>
-              <a:rPr lang="en-BZ" dirty="0" err="1" smtClean="0"/>
-              <a:t>conocidos</a:t>
-            </a:r>
-            <a:endParaRPr lang="en-BZ" dirty="0" smtClean="0"/>
-          </a:p>
-          <a:p>
-            <a:r>
-              <a:rPr lang="en-BZ" dirty="0" smtClean="0"/>
-              <a:t>ET++ </a:t>
-            </a:r>
-            <a:r>
-              <a:rPr lang="en-BZ" dirty="0" err="1" smtClean="0"/>
-              <a:t>usa</a:t>
-            </a:r>
-            <a:r>
-              <a:rPr lang="en-BZ" dirty="0" smtClean="0"/>
-              <a:t> abstract factory para </a:t>
-            </a:r>
-            <a:r>
-              <a:rPr lang="en-BZ" dirty="0" err="1" smtClean="0"/>
-              <a:t>archivar</a:t>
-            </a:r>
-            <a:r>
-              <a:rPr lang="en-BZ" dirty="0" smtClean="0"/>
+              <a:rPr lang="en-BZ" dirty="0" err="1" smtClean="0">
+                <a:latin typeface="Bodoni MT" panose="02070603080606020203" pitchFamily="18" charset="0"/>
+              </a:rPr>
+              <a:t>relacionados</a:t>
+            </a:r>
+            <a:r>
+              <a:rPr lang="en-BZ" dirty="0" smtClean="0">
+                <a:latin typeface="Bodoni MT" panose="02070603080606020203" pitchFamily="18" charset="0"/>
+              </a:rPr>
+              <a:t> son factory method o prototype</a:t>
+            </a:r>
+          </a:p>
+          <a:p>
+            <a:r>
+              <a:rPr lang="en-BZ" dirty="0" smtClean="0">
+                <a:latin typeface="Bodoni MT" panose="02070603080606020203" pitchFamily="18" charset="0"/>
+              </a:rPr>
+              <a:t>Las </a:t>
+            </a:r>
+            <a:r>
+              <a:rPr lang="en-BZ" dirty="0" err="1" smtClean="0">
+                <a:latin typeface="Bodoni MT" panose="02070603080606020203" pitchFamily="18" charset="0"/>
+              </a:rPr>
+              <a:t>factorias</a:t>
+            </a:r>
+            <a:r>
+              <a:rPr lang="en-BZ" dirty="0" smtClean="0">
+                <a:latin typeface="Bodoni MT" panose="02070603080606020203" pitchFamily="18" charset="0"/>
+              </a:rPr>
               <a:t> </a:t>
             </a:r>
             <a:r>
-              <a:rPr lang="en-BZ" dirty="0" err="1" smtClean="0"/>
-              <a:t>portablemente</a:t>
-            </a:r>
-            <a:r>
-              <a:rPr lang="en-BZ" dirty="0" smtClean="0"/>
+              <a:rPr lang="en-BZ" dirty="0" err="1" smtClean="0">
+                <a:latin typeface="Bodoni MT" panose="02070603080606020203" pitchFamily="18" charset="0"/>
+              </a:rPr>
+              <a:t>concretas</a:t>
+            </a:r>
+            <a:r>
+              <a:rPr lang="en-BZ" dirty="0" smtClean="0">
+                <a:latin typeface="Bodoni MT" panose="02070603080606020203" pitchFamily="18" charset="0"/>
+              </a:rPr>
               <a:t> </a:t>
             </a:r>
             <a:r>
-              <a:rPr lang="en-BZ" dirty="0" err="1" smtClean="0"/>
-              <a:t>sobre</a:t>
-            </a:r>
-            <a:r>
-              <a:rPr lang="en-BZ" dirty="0" smtClean="0"/>
+              <a:rPr lang="en-BZ" dirty="0" err="1" smtClean="0">
+                <a:latin typeface="Bodoni MT" panose="02070603080606020203" pitchFamily="18" charset="0"/>
+              </a:rPr>
+              <a:t>suelen</a:t>
+            </a:r>
+            <a:r>
+              <a:rPr lang="en-BZ" dirty="0" smtClean="0">
+                <a:latin typeface="Bodoni MT" panose="02070603080606020203" pitchFamily="18" charset="0"/>
+              </a:rPr>
               <a:t> </a:t>
             </a:r>
             <a:r>
-              <a:rPr lang="en-BZ" dirty="0" err="1" smtClean="0"/>
-              <a:t>diferentes</a:t>
-            </a:r>
-            <a:r>
-              <a:rPr lang="en-BZ" dirty="0" smtClean="0"/>
-              <a:t> </a:t>
-            </a:r>
-            <a:r>
-              <a:rPr lang="en-BZ" dirty="0" err="1" smtClean="0"/>
-              <a:t>sitemas</a:t>
-            </a:r>
-            <a:r>
-              <a:rPr lang="en-BZ" dirty="0" smtClean="0"/>
-              <a:t> windows</a:t>
-            </a:r>
-          </a:p>
-          <a:p>
-            <a:r>
-              <a:rPr lang="en-BZ" dirty="0" smtClean="0"/>
-              <a:t>La </a:t>
-            </a:r>
-            <a:r>
-              <a:rPr lang="en-BZ" dirty="0" err="1" smtClean="0"/>
-              <a:t>clase</a:t>
-            </a:r>
-            <a:r>
-              <a:rPr lang="en-BZ" dirty="0" smtClean="0"/>
-              <a:t> base </a:t>
-            </a:r>
-            <a:r>
-              <a:rPr lang="en-BZ" dirty="0" err="1" smtClean="0"/>
-              <a:t>abstracta</a:t>
-            </a:r>
-            <a:r>
-              <a:rPr lang="en-BZ" dirty="0" smtClean="0"/>
-              <a:t> windows System define la </a:t>
-            </a:r>
-            <a:r>
-              <a:rPr lang="en-BZ" dirty="0" err="1" smtClean="0"/>
-              <a:t>interfaz</a:t>
-            </a:r>
-            <a:r>
-              <a:rPr lang="en-BZ" dirty="0" smtClean="0"/>
-              <a:t> para </a:t>
-            </a:r>
-            <a:r>
-              <a:rPr lang="en-BZ" dirty="0" err="1" smtClean="0"/>
-              <a:t>crear</a:t>
-            </a:r>
-            <a:r>
-              <a:rPr lang="en-BZ" dirty="0" smtClean="0"/>
-              <a:t> </a:t>
-            </a:r>
-            <a:r>
-              <a:rPr lang="en-BZ" dirty="0" err="1" smtClean="0"/>
-              <a:t>objetos</a:t>
-            </a:r>
-            <a:r>
-              <a:rPr lang="en-BZ" dirty="0" smtClean="0"/>
-              <a:t> que </a:t>
-            </a:r>
-            <a:r>
-              <a:rPr lang="en-BZ" dirty="0" err="1" smtClean="0"/>
-              <a:t>representan</a:t>
-            </a:r>
-            <a:r>
-              <a:rPr lang="en-BZ" dirty="0" smtClean="0"/>
-              <a:t> </a:t>
-            </a:r>
-            <a:r>
-              <a:rPr lang="en-BZ" dirty="0" err="1" smtClean="0"/>
-              <a:t>recursos</a:t>
-            </a:r>
-            <a:r>
-              <a:rPr lang="en-BZ" dirty="0" smtClean="0"/>
-              <a:t> del </a:t>
-            </a:r>
-            <a:r>
-              <a:rPr lang="en-BZ" dirty="0" err="1" smtClean="0"/>
-              <a:t>sistema</a:t>
-            </a:r>
-            <a:r>
-              <a:rPr lang="en-BZ" dirty="0" smtClean="0"/>
-              <a:t> windows</a:t>
-            </a:r>
-          </a:p>
-          <a:p>
-            <a:endParaRPr lang="es-MX" dirty="0"/>
+              <a:rPr lang="en-BZ" dirty="0" err="1" smtClean="0">
+                <a:latin typeface="Bodoni MT" panose="02070603080606020203" pitchFamily="18" charset="0"/>
+              </a:rPr>
+              <a:t>ser</a:t>
+            </a:r>
+            <a:r>
+              <a:rPr lang="en-BZ" dirty="0" smtClean="0">
+                <a:latin typeface="Bodoni MT" panose="02070603080606020203" pitchFamily="18" charset="0"/>
+              </a:rPr>
+              <a:t> singleton</a:t>
+            </a:r>
+            <a:endParaRPr lang="es-MX" dirty="0">
+              <a:latin typeface="Bodoni MT" panose="02070603080606020203" pitchFamily="18" charset="0"/>
+            </a:endParaRPr>
           </a:p>
         </p:txBody>
       </p:sp>
     </p:spTree>
     <p:extLst>
       <p:ext uri="{BB962C8B-B14F-4D97-AF65-F5344CB8AC3E}">
-        <p14:creationId xmlns:p14="http://schemas.microsoft.com/office/powerpoint/2010/main" val="289879771"/>
+        <p14:creationId xmlns:p14="http://schemas.microsoft.com/office/powerpoint/2010/main" val="4176581575"/>
       </p:ext>
     </p:extLst>
   </p:cSld>
   <p:clrMapOvr>
     <a:masterClrMapping/>
   </p:clrMapOvr>
+  <p:timing>
+    <p:tnLst>
+      <p:par>
+        <p:cTn id="1" dur="indefinite" restart="never" nodeType="tmRoot"/>
+      </p:par>
+    </p:tnLst>
+  </p:timing>
 </p:sld>
 </file>
 
@@ -3321,118 +3289,6 @@
       </p:grpSpPr>
       <p:sp>
         <p:nvSpPr>
-          <p:cNvPr id="3" name="2 Marcador de contenido"/>
-          <p:cNvSpPr>
-            <a:spLocks noGrp="1"/>
-          </p:cNvSpPr>
-          <p:nvPr>
-            <p:ph idx="1"/>
-          </p:nvPr>
-        </p:nvSpPr>
-        <p:spPr>
-          <a:xfrm>
-            <a:off x="457200" y="476672"/>
-            <a:ext cx="8229600" cy="5649491"/>
-          </a:xfrm>
-        </p:spPr>
-        <p:txBody>
-          <a:bodyPr/>
-          <a:lstStyle/>
-          <a:p>
-            <a:r>
-              <a:rPr lang="en-BZ" dirty="0" smtClean="0"/>
-              <a:t>Los </a:t>
-            </a:r>
-            <a:r>
-              <a:rPr lang="en-BZ" dirty="0" err="1" smtClean="0"/>
-              <a:t>patrones</a:t>
-            </a:r>
-            <a:r>
-              <a:rPr lang="en-BZ" dirty="0" smtClean="0"/>
-              <a:t> </a:t>
-            </a:r>
-            <a:r>
-              <a:rPr lang="en-BZ" dirty="0" err="1" smtClean="0"/>
-              <a:t>relacionados</a:t>
-            </a:r>
-            <a:r>
-              <a:rPr lang="en-BZ" dirty="0" smtClean="0"/>
-              <a:t> son factory method o prototype</a:t>
-            </a:r>
-          </a:p>
-          <a:p>
-            <a:r>
-              <a:rPr lang="en-BZ" dirty="0" smtClean="0"/>
-              <a:t>Las </a:t>
-            </a:r>
-            <a:r>
-              <a:rPr lang="en-BZ" dirty="0" err="1" smtClean="0"/>
-              <a:t>factorias</a:t>
-            </a:r>
-            <a:r>
-              <a:rPr lang="en-BZ" dirty="0" smtClean="0"/>
-              <a:t> </a:t>
-            </a:r>
-            <a:r>
-              <a:rPr lang="en-BZ" dirty="0" err="1" smtClean="0"/>
-              <a:t>concretas</a:t>
-            </a:r>
-            <a:r>
-              <a:rPr lang="en-BZ" dirty="0" smtClean="0"/>
-              <a:t> </a:t>
-            </a:r>
-            <a:r>
-              <a:rPr lang="en-BZ" dirty="0" err="1" smtClean="0"/>
-              <a:t>suelen</a:t>
-            </a:r>
-            <a:r>
-              <a:rPr lang="en-BZ" dirty="0" smtClean="0"/>
-              <a:t> </a:t>
-            </a:r>
-            <a:r>
-              <a:rPr lang="en-BZ" dirty="0" err="1" smtClean="0"/>
-              <a:t>ser</a:t>
-            </a:r>
-            <a:r>
-              <a:rPr lang="en-BZ" dirty="0" smtClean="0"/>
-              <a:t> singleton</a:t>
-            </a:r>
-            <a:endParaRPr lang="es-MX" dirty="0"/>
-          </a:p>
-        </p:txBody>
-      </p:sp>
-    </p:spTree>
-    <p:extLst>
-      <p:ext uri="{BB962C8B-B14F-4D97-AF65-F5344CB8AC3E}">
-        <p14:creationId xmlns:p14="http://schemas.microsoft.com/office/powerpoint/2010/main" val="4176581575"/>
-      </p:ext>
-    </p:extLst>
-  </p:cSld>
-  <p:clrMapOvr>
-    <a:masterClrMapping/>
-  </p:clrMapOvr>
-</p:sld>
-</file>
-
-<file path=ppt/slides/slide12.xml><?xml version="1.0" encoding="utf-8"?>
-<p:sld xmlns:a="http://schemas.openxmlformats.org/drawingml/2006/main" xmlns:r="http://schemas.openxmlformats.org/officeDocument/2006/relationships" xmlns:p="http://schemas.openxmlformats.org/presentationml/2006/main">
-  <p:cSld>
-    <p:spTree>
-      <p:nvGrpSpPr>
-        <p:cNvPr id="1" name=""/>
-        <p:cNvGrpSpPr/>
-        <p:nvPr/>
-      </p:nvGrpSpPr>
-      <p:grpSpPr>
-        <a:xfrm>
-          <a:off x="0" y="0"/>
-          <a:ext cx="0" cy="0"/>
-          <a:chOff x="0" y="0"/>
-          <a:chExt cx="0" cy="0"/>
-        </a:xfrm>
-      </p:grpSpPr>
-      <p:sp>
-        <p:nvSpPr>
           <p:cNvPr id="2" name="1 Título"/>
           <p:cNvSpPr>
             <a:spLocks noGrp="1"/>
@@ -3479,6 +3335,13 @@
   <p:clrMapOvr>
     <a:masterClrMapping/>
   </p:clrMapOvr>
+  <p:timing>
+    <p:tnLst>
+      <p:par>
+        <p:cTn id="1" dur="indefinite" restart="never" nodeType="tmRoot"/>
+      </p:par>
+    </p:tnLst>
+  </p:timing>
 </p:sld>
 </file>
 
@@ -3517,175 +3380,347 @@
         </p:spPr>
         <p:txBody>
           <a:bodyPr>
-            <a:normAutofit/>
+            <a:normAutofit fontScale="92500" lnSpcReduction="10000"/>
           </a:bodyPr>
           <a:lstStyle/>
           <a:p>
             <a:r>
-              <a:rPr lang="en-BZ" dirty="0" smtClean="0"/>
-              <a:t>-Abstract factory </a:t>
-            </a:r>
-            <a:r>
-              <a:rPr lang="en-BZ" dirty="0" err="1" smtClean="0"/>
+              <a:rPr lang="en-BZ" dirty="0" err="1" smtClean="0">
+                <a:latin typeface="Bodoni MT" panose="02070603080606020203" pitchFamily="18" charset="0"/>
+              </a:rPr>
+              <a:t>Nombre</a:t>
+            </a:r>
+            <a:r>
+              <a:rPr lang="en-BZ" dirty="0" smtClean="0">
+                <a:latin typeface="Bodoni MT" panose="02070603080606020203" pitchFamily="18" charset="0"/>
+              </a:rPr>
+              <a:t> y </a:t>
+            </a:r>
+            <a:r>
+              <a:rPr lang="en-BZ" dirty="0" err="1" smtClean="0">
+                <a:latin typeface="Bodoni MT" panose="02070603080606020203" pitchFamily="18" charset="0"/>
+              </a:rPr>
+              <a:t>clasificacion</a:t>
+            </a:r>
+            <a:r>
+              <a:rPr lang="en-BZ" dirty="0" smtClean="0">
+                <a:latin typeface="Bodoni MT" panose="02070603080606020203" pitchFamily="18" charset="0"/>
+              </a:rPr>
+              <a:t>:</a:t>
+            </a:r>
+          </a:p>
+          <a:p>
+            <a:r>
+              <a:rPr lang="en-BZ" dirty="0" smtClean="0">
+                <a:latin typeface="Bodoni MT" panose="02070603080606020203" pitchFamily="18" charset="0"/>
+              </a:rPr>
+              <a:t>Abstract factory </a:t>
+            </a:r>
+            <a:r>
+              <a:rPr lang="en-BZ" dirty="0" err="1" smtClean="0">
+                <a:latin typeface="Bodoni MT" panose="02070603080606020203" pitchFamily="18" charset="0"/>
+              </a:rPr>
               <a:t>es</a:t>
             </a:r>
             <a:r>
-              <a:rPr lang="en-BZ" dirty="0" smtClean="0"/>
+              <a:rPr lang="en-BZ" dirty="0" smtClean="0">
+                <a:latin typeface="Bodoni MT" panose="02070603080606020203" pitchFamily="18" charset="0"/>
+              </a:rPr>
               <a:t> un patron </a:t>
             </a:r>
             <a:r>
-              <a:rPr lang="en-BZ" dirty="0" err="1" smtClean="0"/>
+              <a:rPr lang="en-BZ" dirty="0" err="1" smtClean="0">
+                <a:latin typeface="Bodoni MT" panose="02070603080606020203" pitchFamily="18" charset="0"/>
+              </a:rPr>
               <a:t>creacional</a:t>
             </a:r>
-            <a:endParaRPr lang="en-BZ" dirty="0" smtClean="0"/>
-          </a:p>
-          <a:p>
-            <a:endParaRPr lang="en-BZ" dirty="0" smtClean="0"/>
-          </a:p>
-          <a:p>
-            <a:r>
-              <a:rPr lang="en-BZ" dirty="0" smtClean="0"/>
-              <a:t>-</a:t>
-            </a:r>
-            <a:r>
-              <a:rPr lang="es-MX" dirty="0"/>
-              <a:t>El problema que intenta solucionar este patrón es el de crear diferentes familias de objetos</a:t>
-            </a:r>
-            <a:r>
-              <a:rPr lang="es-MX" dirty="0" smtClean="0"/>
+            <a:endParaRPr lang="en-BZ" dirty="0" smtClean="0">
+              <a:latin typeface="Bodoni MT" panose="02070603080606020203" pitchFamily="18" charset="0"/>
+            </a:endParaRPr>
+          </a:p>
+          <a:p>
+            <a:endParaRPr lang="en-BZ" dirty="0" smtClean="0">
+              <a:latin typeface="Bodoni MT" panose="02070603080606020203" pitchFamily="18" charset="0"/>
+            </a:endParaRPr>
+          </a:p>
+          <a:p>
+            <a:r>
+              <a:rPr lang="es-ES" dirty="0" err="1" smtClean="0">
+                <a:latin typeface="Bodoni MT" panose="02070603080606020203" pitchFamily="18" charset="0"/>
+              </a:rPr>
+              <a:t>Intencion</a:t>
+            </a:r>
+            <a:r>
+              <a:rPr lang="es-ES" dirty="0" smtClean="0">
+                <a:latin typeface="Bodoni MT" panose="02070603080606020203" pitchFamily="18" charset="0"/>
+              </a:rPr>
+              <a:t>:</a:t>
+            </a:r>
+            <a:endParaRPr lang="es-MX" dirty="0" smtClean="0">
+              <a:latin typeface="Bodoni MT" panose="02070603080606020203" pitchFamily="18" charset="0"/>
+            </a:endParaRPr>
+          </a:p>
+          <a:p>
+            <a:r>
+              <a:rPr lang="es-MX" dirty="0" smtClean="0">
+                <a:latin typeface="Bodoni MT" panose="02070603080606020203" pitchFamily="18" charset="0"/>
+              </a:rPr>
+              <a:t>El </a:t>
+            </a:r>
+            <a:r>
+              <a:rPr lang="es-MX" dirty="0">
+                <a:latin typeface="Bodoni MT" panose="02070603080606020203" pitchFamily="18" charset="0"/>
+              </a:rPr>
+              <a:t>problema que intenta solucionar este patrón es el de crear diferentes familias de objetos</a:t>
+            </a:r>
+            <a:r>
+              <a:rPr lang="es-MX" dirty="0" smtClean="0">
+                <a:latin typeface="Bodoni MT" panose="02070603080606020203" pitchFamily="18" charset="0"/>
+              </a:rPr>
               <a:t>.</a:t>
             </a:r>
           </a:p>
           <a:p>
-            <a:endParaRPr lang="es-MX" dirty="0" smtClean="0"/>
-          </a:p>
-          <a:p>
-            <a:r>
-              <a:rPr lang="en-BZ" dirty="0" smtClean="0"/>
+            <a:endParaRPr lang="es-ES" dirty="0" smtClean="0">
+              <a:latin typeface="Bodoni MT" panose="02070603080606020203" pitchFamily="18" charset="0"/>
+            </a:endParaRPr>
+          </a:p>
+          <a:p>
+            <a:r>
+              <a:rPr lang="es-ES" dirty="0" err="1" smtClean="0">
+                <a:latin typeface="Bodoni MT" panose="02070603080606020203" pitchFamily="18" charset="0"/>
+              </a:rPr>
+              <a:t>Tambien</a:t>
+            </a:r>
+            <a:r>
+              <a:rPr lang="es-ES" dirty="0" smtClean="0">
+                <a:latin typeface="Bodoni MT" panose="02070603080606020203" pitchFamily="18" charset="0"/>
+              </a:rPr>
+              <a:t> conocido como kit o </a:t>
+            </a:r>
+            <a:r>
+              <a:rPr lang="es-ES" dirty="0" err="1" smtClean="0">
+                <a:latin typeface="Bodoni MT" panose="02070603080606020203" pitchFamily="18" charset="0"/>
+              </a:rPr>
+              <a:t>toolkit</a:t>
+            </a:r>
+            <a:endParaRPr lang="es-ES" dirty="0" smtClean="0">
+              <a:latin typeface="Bodoni MT" panose="02070603080606020203" pitchFamily="18" charset="0"/>
+            </a:endParaRPr>
+          </a:p>
+          <a:p>
+            <a:endParaRPr lang="es-ES" dirty="0" smtClean="0">
+              <a:latin typeface="Bodoni MT" panose="02070603080606020203" pitchFamily="18" charset="0"/>
+            </a:endParaRPr>
+          </a:p>
+          <a:p>
+            <a:r>
+              <a:rPr lang="es-ES" dirty="0" err="1" smtClean="0">
+                <a:latin typeface="Bodoni MT" panose="02070603080606020203" pitchFamily="18" charset="0"/>
+              </a:rPr>
+              <a:t>Motivacion</a:t>
+            </a:r>
+            <a:r>
+              <a:rPr lang="es-ES" dirty="0" smtClean="0">
+                <a:latin typeface="Bodoni MT" panose="02070603080606020203" pitchFamily="18" charset="0"/>
+              </a:rPr>
+              <a:t>:</a:t>
+            </a:r>
+            <a:endParaRPr lang="es-MX" dirty="0" smtClean="0">
+              <a:latin typeface="Bodoni MT" panose="02070603080606020203" pitchFamily="18" charset="0"/>
+            </a:endParaRPr>
+          </a:p>
+          <a:p>
+            <a:r>
+              <a:rPr lang="en-BZ" dirty="0" smtClean="0">
+                <a:latin typeface="Bodoni MT" panose="02070603080606020203" pitchFamily="18" charset="0"/>
+              </a:rPr>
               <a:t>Su </a:t>
             </a:r>
             <a:r>
-              <a:rPr lang="en-BZ" dirty="0" err="1" smtClean="0"/>
+              <a:rPr lang="en-BZ" dirty="0" err="1" smtClean="0">
+                <a:latin typeface="Bodoni MT" panose="02070603080606020203" pitchFamily="18" charset="0"/>
+              </a:rPr>
               <a:t>objetivo</a:t>
             </a:r>
             <a:r>
-              <a:rPr lang="en-BZ" dirty="0" smtClean="0"/>
+              <a:rPr lang="en-BZ" dirty="0" smtClean="0">
+                <a:latin typeface="Bodoni MT" panose="02070603080606020203" pitchFamily="18" charset="0"/>
+              </a:rPr>
               <a:t> </a:t>
             </a:r>
             <a:r>
-              <a:rPr lang="en-BZ" dirty="0" err="1" smtClean="0"/>
+              <a:rPr lang="en-BZ" dirty="0" err="1" smtClean="0">
+                <a:latin typeface="Bodoni MT" panose="02070603080606020203" pitchFamily="18" charset="0"/>
+              </a:rPr>
               <a:t>es</a:t>
             </a:r>
             <a:r>
-              <a:rPr lang="en-BZ" dirty="0" smtClean="0"/>
+              <a:rPr lang="en-BZ" dirty="0" smtClean="0">
+                <a:latin typeface="Bodoni MT" panose="02070603080606020203" pitchFamily="18" charset="0"/>
+              </a:rPr>
               <a:t> </a:t>
             </a:r>
             <a:r>
-              <a:rPr lang="en-BZ" dirty="0" err="1" smtClean="0"/>
+              <a:rPr lang="en-BZ" dirty="0" err="1" smtClean="0">
+                <a:latin typeface="Bodoni MT" panose="02070603080606020203" pitchFamily="18" charset="0"/>
+              </a:rPr>
               <a:t>soportar</a:t>
             </a:r>
             <a:r>
-              <a:rPr lang="en-BZ" dirty="0" smtClean="0"/>
+              <a:rPr lang="en-BZ" dirty="0" smtClean="0">
+                <a:latin typeface="Bodoni MT" panose="02070603080606020203" pitchFamily="18" charset="0"/>
+              </a:rPr>
               <a:t> multiples </a:t>
             </a:r>
             <a:r>
-              <a:rPr lang="en-BZ" dirty="0" err="1" smtClean="0"/>
+              <a:rPr lang="en-BZ" dirty="0" err="1" smtClean="0">
+                <a:latin typeface="Bodoni MT" panose="02070603080606020203" pitchFamily="18" charset="0"/>
+              </a:rPr>
               <a:t>estandares</a:t>
             </a:r>
-            <a:endParaRPr lang="en-BZ" dirty="0" smtClean="0"/>
-          </a:p>
-          <a:p>
-            <a:r>
-              <a:rPr lang="en-BZ" dirty="0" err="1" smtClean="0"/>
+            <a:endParaRPr lang="en-BZ" dirty="0" smtClean="0">
+              <a:latin typeface="Bodoni MT" panose="02070603080606020203" pitchFamily="18" charset="0"/>
+            </a:endParaRPr>
+          </a:p>
+          <a:p>
+            <a:r>
+              <a:rPr lang="en-BZ" dirty="0" err="1" smtClean="0">
+                <a:latin typeface="Bodoni MT" panose="02070603080606020203" pitchFamily="18" charset="0"/>
+              </a:rPr>
               <a:t>Ejemplo</a:t>
             </a:r>
             <a:r>
-              <a:rPr lang="en-BZ" dirty="0" smtClean="0"/>
+              <a:rPr lang="en-BZ" dirty="0" smtClean="0">
+                <a:latin typeface="Bodoni MT" panose="02070603080606020203" pitchFamily="18" charset="0"/>
+              </a:rPr>
               <a:t>: </a:t>
             </a:r>
             <a:r>
-              <a:rPr lang="en-BZ" dirty="0" err="1" smtClean="0"/>
+              <a:rPr lang="en-BZ" dirty="0" err="1" smtClean="0">
+                <a:latin typeface="Bodoni MT" panose="02070603080606020203" pitchFamily="18" charset="0"/>
+              </a:rPr>
               <a:t>creacion</a:t>
             </a:r>
             <a:r>
-              <a:rPr lang="en-BZ" dirty="0" smtClean="0"/>
+              <a:rPr lang="en-BZ" dirty="0" smtClean="0">
+                <a:latin typeface="Bodoni MT" panose="02070603080606020203" pitchFamily="18" charset="0"/>
+              </a:rPr>
               <a:t> de widgets </a:t>
             </a:r>
             <a:r>
-              <a:rPr lang="en-BZ" dirty="0" err="1" smtClean="0"/>
+              <a:rPr lang="en-BZ" dirty="0" err="1" smtClean="0">
+                <a:latin typeface="Bodoni MT" panose="02070603080606020203" pitchFamily="18" charset="0"/>
+              </a:rPr>
               <a:t>en</a:t>
             </a:r>
             <a:r>
-              <a:rPr lang="en-BZ" dirty="0" smtClean="0"/>
+              <a:rPr lang="en-BZ" dirty="0" smtClean="0">
+                <a:latin typeface="Bodoni MT" panose="02070603080606020203" pitchFamily="18" charset="0"/>
+              </a:rPr>
               <a:t> </a:t>
             </a:r>
             <a:r>
-              <a:rPr lang="en-BZ" dirty="0" err="1" smtClean="0"/>
+              <a:rPr lang="en-BZ" dirty="0" err="1" smtClean="0">
+                <a:latin typeface="Bodoni MT" panose="02070603080606020203" pitchFamily="18" charset="0"/>
+              </a:rPr>
               <a:t>aplicacion</a:t>
             </a:r>
             <a:r>
-              <a:rPr lang="en-BZ" dirty="0" smtClean="0"/>
+              <a:rPr lang="en-BZ" dirty="0" smtClean="0">
+                <a:latin typeface="Bodoni MT" panose="02070603080606020203" pitchFamily="18" charset="0"/>
+              </a:rPr>
               <a:t> </a:t>
             </a:r>
             <a:r>
-              <a:rPr lang="en-BZ" dirty="0" err="1" smtClean="0"/>
+              <a:rPr lang="en-BZ" dirty="0" err="1" smtClean="0">
+                <a:latin typeface="Bodoni MT" panose="02070603080606020203" pitchFamily="18" charset="0"/>
+              </a:rPr>
               <a:t>cliente</a:t>
             </a:r>
             <a:r>
-              <a:rPr lang="en-BZ" dirty="0" smtClean="0"/>
+              <a:rPr lang="en-BZ" dirty="0" smtClean="0">
+                <a:latin typeface="Bodoni MT" panose="02070603080606020203" pitchFamily="18" charset="0"/>
+              </a:rPr>
               <a:t>, un </a:t>
             </a:r>
             <a:r>
-              <a:rPr lang="en-BZ" dirty="0" err="1" smtClean="0"/>
+              <a:rPr lang="en-BZ" dirty="0" err="1" smtClean="0">
+                <a:latin typeface="Bodoni MT" panose="02070603080606020203" pitchFamily="18" charset="0"/>
+              </a:rPr>
               <a:t>armazon</a:t>
             </a:r>
             <a:r>
-              <a:rPr lang="en-BZ" dirty="0" smtClean="0"/>
+              <a:rPr lang="en-BZ" dirty="0" smtClean="0">
+                <a:latin typeface="Bodoni MT" panose="02070603080606020203" pitchFamily="18" charset="0"/>
+              </a:rPr>
               <a:t> para interfaces </a:t>
             </a:r>
             <a:r>
-              <a:rPr lang="en-BZ" dirty="0" err="1" smtClean="0"/>
+              <a:rPr lang="en-BZ" dirty="0" err="1" smtClean="0">
+                <a:latin typeface="Bodoni MT" panose="02070603080606020203" pitchFamily="18" charset="0"/>
+              </a:rPr>
               <a:t>graficas</a:t>
             </a:r>
             <a:r>
-              <a:rPr lang="en-BZ" dirty="0" smtClean="0"/>
+              <a:rPr lang="en-BZ" dirty="0" smtClean="0">
+                <a:latin typeface="Bodoni MT" panose="02070603080606020203" pitchFamily="18" charset="0"/>
+              </a:rPr>
               <a:t> que </a:t>
             </a:r>
             <a:r>
-              <a:rPr lang="en-BZ" dirty="0" err="1" smtClean="0"/>
+              <a:rPr lang="en-BZ" dirty="0" err="1" smtClean="0">
+                <a:latin typeface="Bodoni MT" panose="02070603080606020203" pitchFamily="18" charset="0"/>
+              </a:rPr>
               <a:t>soporte</a:t>
             </a:r>
             <a:r>
-              <a:rPr lang="en-BZ" dirty="0" smtClean="0"/>
+              <a:rPr lang="en-BZ" dirty="0" smtClean="0">
+                <a:latin typeface="Bodoni MT" panose="02070603080606020203" pitchFamily="18" charset="0"/>
+              </a:rPr>
               <a:t> </a:t>
             </a:r>
             <a:r>
-              <a:rPr lang="en-BZ" dirty="0" err="1" smtClean="0"/>
+              <a:rPr lang="en-BZ" dirty="0" err="1" smtClean="0">
+                <a:latin typeface="Bodoni MT" panose="02070603080606020203" pitchFamily="18" charset="0"/>
+              </a:rPr>
               <a:t>distintos</a:t>
             </a:r>
             <a:r>
-              <a:rPr lang="en-BZ" dirty="0" smtClean="0"/>
+              <a:rPr lang="en-BZ" dirty="0" smtClean="0">
+                <a:latin typeface="Bodoni MT" panose="02070603080606020203" pitchFamily="18" charset="0"/>
+              </a:rPr>
               <a:t> </a:t>
             </a:r>
             <a:r>
-              <a:rPr lang="en-BZ" dirty="0" err="1" smtClean="0"/>
+              <a:rPr lang="en-BZ" dirty="0" err="1" smtClean="0">
+                <a:latin typeface="Bodoni MT" panose="02070603080606020203" pitchFamily="18" charset="0"/>
+              </a:rPr>
               <a:t>tipos</a:t>
             </a:r>
             <a:r>
-              <a:rPr lang="en-BZ" dirty="0" smtClean="0"/>
+              <a:rPr lang="en-BZ" dirty="0" smtClean="0">
+                <a:latin typeface="Bodoni MT" panose="02070603080606020203" pitchFamily="18" charset="0"/>
+              </a:rPr>
               <a:t> de </a:t>
             </a:r>
             <a:r>
-              <a:rPr lang="en-BZ" dirty="0" err="1" smtClean="0"/>
+              <a:rPr lang="en-BZ" dirty="0" err="1" smtClean="0">
+                <a:latin typeface="Bodoni MT" panose="02070603080606020203" pitchFamily="18" charset="0"/>
+              </a:rPr>
               <a:t>presentacion</a:t>
             </a:r>
             <a:r>
-              <a:rPr lang="en-BZ" dirty="0" smtClean="0"/>
+              <a:rPr lang="en-BZ" dirty="0" smtClean="0">
+                <a:latin typeface="Bodoni MT" panose="02070603080606020203" pitchFamily="18" charset="0"/>
+              </a:rPr>
               <a:t>(look-and-feel)</a:t>
             </a:r>
           </a:p>
           <a:p>
-            <a:endParaRPr lang="en-BZ" dirty="0" smtClean="0"/>
+            <a:endParaRPr lang="en-BZ" dirty="0" smtClean="0">
+              <a:latin typeface="Bodoni MT" panose="02070603080606020203" pitchFamily="18" charset="0"/>
+            </a:endParaRPr>
           </a:p>
           <a:p>
             <a:endParaRPr lang="es-MX" dirty="0"/>
@@ -3702,6 +3737,13 @@
   <p:clrMapOvr>
     <a:masterClrMapping/>
   </p:clrMapOvr>
+  <p:timing>
+    <p:tnLst>
+      <p:par>
+        <p:cTn id="1" dur="indefinite" restart="never" nodeType="tmRoot"/>
+      </p:par>
+    </p:tnLst>
+  </p:timing>
 </p:sld>
 </file>
 
@@ -3743,246 +3785,382 @@
           <a:lstStyle/>
           <a:p>
             <a:r>
-              <a:rPr lang="en-BZ" dirty="0" err="1" smtClean="0"/>
+              <a:rPr lang="en-BZ" dirty="0" err="1" smtClean="0">
+                <a:latin typeface="Bodoni MT" panose="02070603080606020203" pitchFamily="18" charset="0"/>
+              </a:rPr>
+              <a:t>Aplicacion</a:t>
+            </a:r>
+            <a:r>
+              <a:rPr lang="en-BZ" dirty="0" smtClean="0">
+                <a:latin typeface="Bodoni MT" panose="02070603080606020203" pitchFamily="18" charset="0"/>
+              </a:rPr>
+              <a:t>:</a:t>
+            </a:r>
+          </a:p>
+          <a:p>
+            <a:r>
+              <a:rPr lang="en-BZ" dirty="0" err="1" smtClean="0">
+                <a:latin typeface="Bodoni MT" panose="02070603080606020203" pitchFamily="18" charset="0"/>
+              </a:rPr>
               <a:t>Utilizar</a:t>
             </a:r>
             <a:r>
-              <a:rPr lang="en-BZ" dirty="0" smtClean="0"/>
+              <a:rPr lang="en-BZ" dirty="0" smtClean="0">
+                <a:latin typeface="Bodoni MT" panose="02070603080606020203" pitchFamily="18" charset="0"/>
+              </a:rPr>
               <a:t> abstract factory </a:t>
             </a:r>
             <a:r>
-              <a:rPr lang="en-BZ" dirty="0" err="1" smtClean="0"/>
+              <a:rPr lang="en-BZ" dirty="0" err="1" smtClean="0">
+                <a:latin typeface="Bodoni MT" panose="02070603080606020203" pitchFamily="18" charset="0"/>
+              </a:rPr>
               <a:t>cuando</a:t>
             </a:r>
             <a:r>
-              <a:rPr lang="en-BZ" dirty="0" smtClean="0"/>
+              <a:rPr lang="en-BZ" dirty="0" smtClean="0">
+                <a:latin typeface="Bodoni MT" panose="02070603080606020203" pitchFamily="18" charset="0"/>
+              </a:rPr>
               <a:t>:</a:t>
             </a:r>
           </a:p>
           <a:p>
             <a:r>
-              <a:rPr lang="en-BZ" dirty="0" smtClean="0"/>
+              <a:rPr lang="en-BZ" dirty="0" smtClean="0">
+                <a:latin typeface="Bodoni MT" panose="02070603080606020203" pitchFamily="18" charset="0"/>
+              </a:rPr>
               <a:t>Un </a:t>
             </a:r>
             <a:r>
-              <a:rPr lang="en-BZ" dirty="0" err="1" smtClean="0"/>
+              <a:rPr lang="en-BZ" dirty="0" err="1" smtClean="0">
+                <a:latin typeface="Bodoni MT" panose="02070603080606020203" pitchFamily="18" charset="0"/>
+              </a:rPr>
               <a:t>sistema</a:t>
             </a:r>
             <a:r>
-              <a:rPr lang="en-BZ" dirty="0" smtClean="0"/>
+              <a:rPr lang="en-BZ" dirty="0" smtClean="0">
+                <a:latin typeface="Bodoni MT" panose="02070603080606020203" pitchFamily="18" charset="0"/>
+              </a:rPr>
               <a:t> </a:t>
             </a:r>
             <a:r>
-              <a:rPr lang="en-BZ" dirty="0" err="1" smtClean="0"/>
+              <a:rPr lang="en-BZ" dirty="0" err="1" smtClean="0">
+                <a:latin typeface="Bodoni MT" panose="02070603080606020203" pitchFamily="18" charset="0"/>
+              </a:rPr>
               <a:t>debe</a:t>
             </a:r>
             <a:r>
-              <a:rPr lang="en-BZ" dirty="0" smtClean="0"/>
+              <a:rPr lang="en-BZ" dirty="0" smtClean="0">
+                <a:latin typeface="Bodoni MT" panose="02070603080606020203" pitchFamily="18" charset="0"/>
+              </a:rPr>
               <a:t> </a:t>
             </a:r>
             <a:r>
-              <a:rPr lang="en-BZ" dirty="0" err="1" smtClean="0"/>
+              <a:rPr lang="en-BZ" dirty="0" err="1" smtClean="0">
+                <a:latin typeface="Bodoni MT" panose="02070603080606020203" pitchFamily="18" charset="0"/>
+              </a:rPr>
               <a:t>ser</a:t>
             </a:r>
             <a:r>
-              <a:rPr lang="en-BZ" dirty="0" smtClean="0"/>
+              <a:rPr lang="en-BZ" dirty="0" smtClean="0">
+                <a:latin typeface="Bodoni MT" panose="02070603080606020203" pitchFamily="18" charset="0"/>
+              </a:rPr>
               <a:t> </a:t>
             </a:r>
             <a:r>
-              <a:rPr lang="en-BZ" dirty="0" err="1" smtClean="0"/>
+              <a:rPr lang="en-BZ" dirty="0" err="1" smtClean="0">
+                <a:latin typeface="Bodoni MT" panose="02070603080606020203" pitchFamily="18" charset="0"/>
+              </a:rPr>
               <a:t>independiente</a:t>
             </a:r>
             <a:r>
-              <a:rPr lang="en-BZ" dirty="0" smtClean="0"/>
+              <a:rPr lang="en-BZ" dirty="0" smtClean="0">
+                <a:latin typeface="Bodoni MT" panose="02070603080606020203" pitchFamily="18" charset="0"/>
+              </a:rPr>
               <a:t> de </a:t>
             </a:r>
             <a:r>
-              <a:rPr lang="en-BZ" dirty="0" err="1" smtClean="0"/>
+              <a:rPr lang="en-BZ" dirty="0" err="1" smtClean="0">
+                <a:latin typeface="Bodoni MT" panose="02070603080606020203" pitchFamily="18" charset="0"/>
+              </a:rPr>
               <a:t>como</a:t>
             </a:r>
             <a:r>
-              <a:rPr lang="en-BZ" dirty="0" smtClean="0"/>
+              <a:rPr lang="en-BZ" dirty="0" smtClean="0">
+                <a:latin typeface="Bodoni MT" panose="02070603080606020203" pitchFamily="18" charset="0"/>
+              </a:rPr>
               <a:t> se </a:t>
             </a:r>
             <a:r>
-              <a:rPr lang="en-BZ" dirty="0" err="1" smtClean="0"/>
+              <a:rPr lang="en-BZ" dirty="0" err="1" smtClean="0">
+                <a:latin typeface="Bodoni MT" panose="02070603080606020203" pitchFamily="18" charset="0"/>
+              </a:rPr>
               <a:t>crean</a:t>
             </a:r>
             <a:r>
-              <a:rPr lang="en-BZ" dirty="0" smtClean="0"/>
+              <a:rPr lang="en-BZ" dirty="0" smtClean="0">
+                <a:latin typeface="Bodoni MT" panose="02070603080606020203" pitchFamily="18" charset="0"/>
+              </a:rPr>
               <a:t>, </a:t>
             </a:r>
             <a:r>
-              <a:rPr lang="en-BZ" dirty="0" err="1" smtClean="0"/>
+              <a:rPr lang="en-BZ" dirty="0" err="1" smtClean="0">
+                <a:latin typeface="Bodoni MT" panose="02070603080606020203" pitchFamily="18" charset="0"/>
+              </a:rPr>
               <a:t>componen</a:t>
             </a:r>
             <a:r>
-              <a:rPr lang="en-BZ" dirty="0" smtClean="0"/>
+              <a:rPr lang="en-BZ" dirty="0" smtClean="0">
+                <a:latin typeface="Bodoni MT" panose="02070603080606020203" pitchFamily="18" charset="0"/>
+              </a:rPr>
               <a:t> y </a:t>
             </a:r>
             <a:r>
-              <a:rPr lang="en-BZ" dirty="0" err="1" smtClean="0"/>
+              <a:rPr lang="en-BZ" dirty="0" err="1" smtClean="0">
+                <a:latin typeface="Bodoni MT" panose="02070603080606020203" pitchFamily="18" charset="0"/>
+              </a:rPr>
               <a:t>representan</a:t>
             </a:r>
             <a:r>
-              <a:rPr lang="en-BZ" dirty="0" smtClean="0"/>
+              <a:rPr lang="en-BZ" dirty="0" smtClean="0">
+                <a:latin typeface="Bodoni MT" panose="02070603080606020203" pitchFamily="18" charset="0"/>
+              </a:rPr>
               <a:t> sus </a:t>
             </a:r>
             <a:r>
-              <a:rPr lang="en-BZ" dirty="0" err="1" smtClean="0"/>
+              <a:rPr lang="en-BZ" dirty="0" err="1" smtClean="0">
+                <a:latin typeface="Bodoni MT" panose="02070603080606020203" pitchFamily="18" charset="0"/>
+              </a:rPr>
               <a:t>productos</a:t>
             </a:r>
-            <a:endParaRPr lang="en-BZ" dirty="0" smtClean="0"/>
-          </a:p>
-          <a:p>
-            <a:r>
-              <a:rPr lang="en-BZ" dirty="0" smtClean="0"/>
+            <a:endParaRPr lang="en-BZ" dirty="0" smtClean="0">
+              <a:latin typeface="Bodoni MT" panose="02070603080606020203" pitchFamily="18" charset="0"/>
+            </a:endParaRPr>
+          </a:p>
+          <a:p>
+            <a:r>
+              <a:rPr lang="en-BZ" dirty="0" smtClean="0">
+                <a:latin typeface="Bodoni MT" panose="02070603080606020203" pitchFamily="18" charset="0"/>
+              </a:rPr>
               <a:t>Un </a:t>
             </a:r>
             <a:r>
-              <a:rPr lang="en-BZ" dirty="0" err="1" smtClean="0"/>
+              <a:rPr lang="en-BZ" dirty="0" err="1" smtClean="0">
+                <a:latin typeface="Bodoni MT" panose="02070603080606020203" pitchFamily="18" charset="0"/>
+              </a:rPr>
               <a:t>sistema</a:t>
             </a:r>
             <a:r>
-              <a:rPr lang="en-BZ" dirty="0" smtClean="0"/>
+              <a:rPr lang="en-BZ" dirty="0" smtClean="0">
+                <a:latin typeface="Bodoni MT" panose="02070603080606020203" pitchFamily="18" charset="0"/>
+              </a:rPr>
               <a:t> </a:t>
             </a:r>
             <a:r>
-              <a:rPr lang="en-BZ" dirty="0" err="1" smtClean="0"/>
+              <a:rPr lang="en-BZ" dirty="0" err="1" smtClean="0">
+                <a:latin typeface="Bodoni MT" panose="02070603080606020203" pitchFamily="18" charset="0"/>
+              </a:rPr>
               <a:t>debe</a:t>
             </a:r>
             <a:r>
-              <a:rPr lang="en-BZ" dirty="0" smtClean="0"/>
+              <a:rPr lang="en-BZ" dirty="0" smtClean="0">
+                <a:latin typeface="Bodoni MT" panose="02070603080606020203" pitchFamily="18" charset="0"/>
+              </a:rPr>
               <a:t> </a:t>
             </a:r>
             <a:r>
-              <a:rPr lang="en-BZ" dirty="0" err="1" smtClean="0"/>
+              <a:rPr lang="en-BZ" dirty="0" err="1" smtClean="0">
+                <a:latin typeface="Bodoni MT" panose="02070603080606020203" pitchFamily="18" charset="0"/>
+              </a:rPr>
               <a:t>configurarse</a:t>
             </a:r>
             <a:r>
-              <a:rPr lang="en-BZ" dirty="0" smtClean="0"/>
+              <a:rPr lang="en-BZ" dirty="0" smtClean="0">
+                <a:latin typeface="Bodoni MT" panose="02070603080606020203" pitchFamily="18" charset="0"/>
+              </a:rPr>
               <a:t>  con </a:t>
             </a:r>
             <a:r>
-              <a:rPr lang="en-BZ" dirty="0" err="1" smtClean="0"/>
+              <a:rPr lang="en-BZ" dirty="0" err="1" smtClean="0">
+                <a:latin typeface="Bodoni MT" panose="02070603080606020203" pitchFamily="18" charset="0"/>
+              </a:rPr>
               <a:t>una</a:t>
             </a:r>
             <a:r>
-              <a:rPr lang="en-BZ" dirty="0" smtClean="0"/>
+              <a:rPr lang="en-BZ" dirty="0" smtClean="0">
+                <a:latin typeface="Bodoni MT" panose="02070603080606020203" pitchFamily="18" charset="0"/>
+              </a:rPr>
               <a:t> de entre </a:t>
             </a:r>
             <a:r>
-              <a:rPr lang="en-BZ" dirty="0" err="1" smtClean="0"/>
+              <a:rPr lang="en-BZ" dirty="0" err="1" smtClean="0">
+                <a:latin typeface="Bodoni MT" panose="02070603080606020203" pitchFamily="18" charset="0"/>
+              </a:rPr>
               <a:t>varias</a:t>
             </a:r>
             <a:r>
-              <a:rPr lang="en-BZ" dirty="0" smtClean="0"/>
+              <a:rPr lang="en-BZ" dirty="0" smtClean="0">
+                <a:latin typeface="Bodoni MT" panose="02070603080606020203" pitchFamily="18" charset="0"/>
+              </a:rPr>
               <a:t> </a:t>
             </a:r>
             <a:r>
-              <a:rPr lang="en-BZ" dirty="0" err="1" smtClean="0"/>
+              <a:rPr lang="en-BZ" dirty="0" err="1" smtClean="0">
+                <a:latin typeface="Bodoni MT" panose="02070603080606020203" pitchFamily="18" charset="0"/>
+              </a:rPr>
               <a:t>familias</a:t>
             </a:r>
             <a:r>
-              <a:rPr lang="en-BZ" dirty="0" smtClean="0"/>
+              <a:rPr lang="en-BZ" dirty="0" smtClean="0">
+                <a:latin typeface="Bodoni MT" panose="02070603080606020203" pitchFamily="18" charset="0"/>
+              </a:rPr>
               <a:t> de </a:t>
             </a:r>
             <a:r>
-              <a:rPr lang="en-BZ" dirty="0" err="1" smtClean="0"/>
+              <a:rPr lang="en-BZ" dirty="0" err="1" smtClean="0">
+                <a:latin typeface="Bodoni MT" panose="02070603080606020203" pitchFamily="18" charset="0"/>
+              </a:rPr>
               <a:t>productos</a:t>
             </a:r>
-            <a:endParaRPr lang="en-BZ" dirty="0" smtClean="0"/>
-          </a:p>
-          <a:p>
-            <a:r>
-              <a:rPr lang="en-BZ" dirty="0" smtClean="0"/>
+            <a:endParaRPr lang="en-BZ" dirty="0" smtClean="0">
+              <a:latin typeface="Bodoni MT" panose="02070603080606020203" pitchFamily="18" charset="0"/>
+            </a:endParaRPr>
+          </a:p>
+          <a:p>
+            <a:r>
+              <a:rPr lang="en-BZ" dirty="0" smtClean="0">
+                <a:latin typeface="Bodoni MT" panose="02070603080606020203" pitchFamily="18" charset="0"/>
+              </a:rPr>
               <a:t>Una </a:t>
             </a:r>
             <a:r>
-              <a:rPr lang="en-BZ" dirty="0" err="1" smtClean="0"/>
+              <a:rPr lang="en-BZ" dirty="0" err="1" smtClean="0">
+                <a:latin typeface="Bodoni MT" panose="02070603080606020203" pitchFamily="18" charset="0"/>
+              </a:rPr>
               <a:t>familia</a:t>
             </a:r>
             <a:r>
-              <a:rPr lang="en-BZ" dirty="0" smtClean="0"/>
+              <a:rPr lang="en-BZ" dirty="0" smtClean="0">
+                <a:latin typeface="Bodoni MT" panose="02070603080606020203" pitchFamily="18" charset="0"/>
+              </a:rPr>
               <a:t> de </a:t>
             </a:r>
             <a:r>
-              <a:rPr lang="en-BZ" dirty="0" err="1" smtClean="0"/>
+              <a:rPr lang="en-BZ" dirty="0" err="1" smtClean="0">
+                <a:latin typeface="Bodoni MT" panose="02070603080606020203" pitchFamily="18" charset="0"/>
+              </a:rPr>
               <a:t>productos</a:t>
             </a:r>
             <a:r>
-              <a:rPr lang="en-BZ" dirty="0" smtClean="0"/>
+              <a:rPr lang="en-BZ" dirty="0" smtClean="0">
+                <a:latin typeface="Bodoni MT" panose="02070603080606020203" pitchFamily="18" charset="0"/>
+              </a:rPr>
               <a:t> </a:t>
             </a:r>
             <a:r>
-              <a:rPr lang="en-BZ" dirty="0" err="1" smtClean="0"/>
+              <a:rPr lang="en-BZ" dirty="0" err="1" smtClean="0">
+                <a:latin typeface="Bodoni MT" panose="02070603080606020203" pitchFamily="18" charset="0"/>
+              </a:rPr>
               <a:t>relacionados</a:t>
             </a:r>
             <a:r>
-              <a:rPr lang="en-BZ" dirty="0" smtClean="0"/>
+              <a:rPr lang="en-BZ" dirty="0" smtClean="0">
+                <a:latin typeface="Bodoni MT" panose="02070603080606020203" pitchFamily="18" charset="0"/>
+              </a:rPr>
               <a:t> </a:t>
             </a:r>
             <a:r>
-              <a:rPr lang="en-BZ" dirty="0" err="1" smtClean="0"/>
+              <a:rPr lang="en-BZ" dirty="0" err="1" smtClean="0">
+                <a:latin typeface="Bodoni MT" panose="02070603080606020203" pitchFamily="18" charset="0"/>
+              </a:rPr>
               <a:t>esta</a:t>
             </a:r>
             <a:r>
-              <a:rPr lang="en-BZ" dirty="0" smtClean="0"/>
+              <a:rPr lang="en-BZ" dirty="0" smtClean="0">
+                <a:latin typeface="Bodoni MT" panose="02070603080606020203" pitchFamily="18" charset="0"/>
+              </a:rPr>
               <a:t> </a:t>
             </a:r>
             <a:r>
-              <a:rPr lang="en-BZ" dirty="0" err="1" smtClean="0"/>
+              <a:rPr lang="en-BZ" dirty="0" err="1" smtClean="0">
+                <a:latin typeface="Bodoni MT" panose="02070603080606020203" pitchFamily="18" charset="0"/>
+              </a:rPr>
               <a:t>echa</a:t>
             </a:r>
             <a:r>
-              <a:rPr lang="en-BZ" dirty="0" smtClean="0"/>
+              <a:rPr lang="en-BZ" dirty="0" smtClean="0">
+                <a:latin typeface="Bodoni MT" panose="02070603080606020203" pitchFamily="18" charset="0"/>
+              </a:rPr>
               <a:t> para </a:t>
             </a:r>
             <a:r>
-              <a:rPr lang="en-BZ" dirty="0" err="1" smtClean="0"/>
+              <a:rPr lang="en-BZ" dirty="0" err="1" smtClean="0">
+                <a:latin typeface="Bodoni MT" panose="02070603080606020203" pitchFamily="18" charset="0"/>
+              </a:rPr>
               <a:t>usarse</a:t>
             </a:r>
             <a:r>
-              <a:rPr lang="en-BZ" dirty="0" smtClean="0"/>
+              <a:rPr lang="en-BZ" dirty="0" smtClean="0">
+                <a:latin typeface="Bodoni MT" panose="02070603080606020203" pitchFamily="18" charset="0"/>
+              </a:rPr>
               <a:t> </a:t>
             </a:r>
             <a:r>
-              <a:rPr lang="en-BZ" dirty="0" err="1" smtClean="0"/>
+              <a:rPr lang="en-BZ" dirty="0" err="1" smtClean="0">
+                <a:latin typeface="Bodoni MT" panose="02070603080606020203" pitchFamily="18" charset="0"/>
+              </a:rPr>
               <a:t>juntos</a:t>
             </a:r>
             <a:r>
-              <a:rPr lang="en-BZ" dirty="0" smtClean="0"/>
+              <a:rPr lang="en-BZ" dirty="0" smtClean="0">
+                <a:latin typeface="Bodoni MT" panose="02070603080606020203" pitchFamily="18" charset="0"/>
+              </a:rPr>
               <a:t>, y se </a:t>
             </a:r>
             <a:r>
-              <a:rPr lang="en-BZ" dirty="0" err="1" smtClean="0"/>
+              <a:rPr lang="en-BZ" dirty="0" err="1" smtClean="0">
+                <a:latin typeface="Bodoni MT" panose="02070603080606020203" pitchFamily="18" charset="0"/>
+              </a:rPr>
               <a:t>nesecita</a:t>
             </a:r>
             <a:r>
-              <a:rPr lang="en-BZ" dirty="0" smtClean="0"/>
+              <a:rPr lang="en-BZ" dirty="0" smtClean="0">
+                <a:latin typeface="Bodoni MT" panose="02070603080606020203" pitchFamily="18" charset="0"/>
+              </a:rPr>
               <a:t> </a:t>
             </a:r>
             <a:r>
-              <a:rPr lang="en-BZ" dirty="0" err="1" smtClean="0"/>
+              <a:rPr lang="en-BZ" dirty="0" err="1" smtClean="0">
+                <a:latin typeface="Bodoni MT" panose="02070603080606020203" pitchFamily="18" charset="0"/>
+              </a:rPr>
               <a:t>cumplir</a:t>
             </a:r>
             <a:r>
-              <a:rPr lang="en-BZ" dirty="0" smtClean="0"/>
+              <a:rPr lang="en-BZ" dirty="0" smtClean="0">
+                <a:latin typeface="Bodoni MT" panose="02070603080606020203" pitchFamily="18" charset="0"/>
+              </a:rPr>
               <a:t> </a:t>
             </a:r>
             <a:r>
-              <a:rPr lang="en-BZ" dirty="0" err="1" smtClean="0"/>
+              <a:rPr lang="en-BZ" dirty="0" err="1" smtClean="0">
+                <a:latin typeface="Bodoni MT" panose="02070603080606020203" pitchFamily="18" charset="0"/>
+              </a:rPr>
               <a:t>esta</a:t>
             </a:r>
             <a:r>
-              <a:rPr lang="en-BZ" dirty="0" smtClean="0"/>
+              <a:rPr lang="en-BZ" dirty="0" smtClean="0">
+                <a:latin typeface="Bodoni MT" panose="02070603080606020203" pitchFamily="18" charset="0"/>
+              </a:rPr>
               <a:t> </a:t>
             </a:r>
             <a:r>
-              <a:rPr lang="en-BZ" dirty="0" err="1" smtClean="0"/>
+              <a:rPr lang="en-BZ" dirty="0" err="1" smtClean="0">
+                <a:latin typeface="Bodoni MT" panose="02070603080606020203" pitchFamily="18" charset="0"/>
+              </a:rPr>
               <a:t>restriccion</a:t>
             </a:r>
-            <a:endParaRPr lang="en-BZ" dirty="0" smtClean="0"/>
+            <a:endParaRPr lang="en-BZ" dirty="0" smtClean="0">
+              <a:latin typeface="Bodoni MT" panose="02070603080606020203" pitchFamily="18" charset="0"/>
+            </a:endParaRPr>
           </a:p>
           <a:p>
             <a:endParaRPr lang="en-BZ" dirty="0"/>
@@ -4002,6 +4180,13 @@
   <p:clrMapOvr>
     <a:masterClrMapping/>
   </p:clrMapOvr>
+  <p:timing>
+    <p:tnLst>
+      <p:par>
+        <p:cTn id="1" dur="indefinite" restart="never" nodeType="tmRoot"/>
+      </p:par>
+    </p:tnLst>
+  </p:timing>
 </p:sld>
 </file>
 
@@ -4047,8 +4232,8 @@
         </p:blipFill>
         <p:spPr bwMode="auto">
           <a:xfrm>
-            <a:off x="457200" y="692696"/>
-            <a:ext cx="8229600" cy="5688632"/>
+            <a:off x="457200" y="548680"/>
+            <a:ext cx="8229600" cy="5832648"/>
           </a:xfrm>
           <a:prstGeom prst="rect">
             <a:avLst/>
@@ -4088,6 +4273,13 @@
   <p:clrMapOvr>
     <a:masterClrMapping/>
   </p:clrMapOvr>
+  <p:timing>
+    <p:tnLst>
+      <p:par>
+        <p:cTn id="1" dur="indefinite" restart="never" nodeType="tmRoot"/>
+      </p:par>
+    </p:tnLst>
+  </p:timing>
 </p:sld>
 </file>
 
@@ -4131,114 +4323,166 @@
           <a:lstStyle/>
           <a:p>
             <a:r>
-              <a:rPr lang="en-BZ" dirty="0" err="1" smtClean="0"/>
+              <a:rPr lang="en-BZ" dirty="0" err="1" smtClean="0">
+                <a:latin typeface="Bodoni MT" panose="02070603080606020203" pitchFamily="18" charset="0"/>
+              </a:rPr>
               <a:t>Participantes</a:t>
             </a:r>
             <a:r>
-              <a:rPr lang="en-BZ" dirty="0" smtClean="0"/>
+              <a:rPr lang="en-BZ" dirty="0" smtClean="0">
+                <a:latin typeface="Bodoni MT" panose="02070603080606020203" pitchFamily="18" charset="0"/>
+              </a:rPr>
               <a:t>:</a:t>
             </a:r>
           </a:p>
           <a:p>
             <a:r>
-              <a:rPr lang="es-MX" dirty="0" err="1" smtClean="0"/>
+              <a:rPr lang="es-MX" dirty="0" err="1" smtClean="0">
+                <a:latin typeface="Bodoni MT" panose="02070603080606020203" pitchFamily="18" charset="0"/>
+              </a:rPr>
               <a:t>AbstractFactory</a:t>
             </a:r>
             <a:r>
-              <a:rPr lang="es-MX" dirty="0" smtClean="0"/>
+              <a:rPr lang="es-MX" dirty="0" smtClean="0">
+                <a:latin typeface="Bodoni MT" panose="02070603080606020203" pitchFamily="18" charset="0"/>
+              </a:rPr>
               <a:t> (</a:t>
             </a:r>
             <a:r>
-              <a:rPr lang="es-MX" dirty="0" err="1" smtClean="0"/>
+              <a:rPr lang="es-MX" dirty="0" err="1" smtClean="0">
+                <a:latin typeface="Bodoni MT" panose="02070603080606020203" pitchFamily="18" charset="0"/>
+              </a:rPr>
               <a:t>WidgetFactory</a:t>
             </a:r>
             <a:r>
-              <a:rPr lang="es-MX" dirty="0" smtClean="0"/>
+              <a:rPr lang="es-MX" dirty="0" smtClean="0">
+                <a:latin typeface="Bodoni MT" panose="02070603080606020203" pitchFamily="18" charset="0"/>
+              </a:rPr>
               <a:t>): define la interfaz para crear objetos producto abstractos</a:t>
             </a:r>
           </a:p>
           <a:p>
             <a:r>
-              <a:rPr lang="es-MX" dirty="0" err="1" smtClean="0"/>
+              <a:rPr lang="es-MX" dirty="0" err="1" smtClean="0">
+                <a:latin typeface="Bodoni MT" panose="02070603080606020203" pitchFamily="18" charset="0"/>
+              </a:rPr>
               <a:t>ConcreteFactory</a:t>
             </a:r>
             <a:r>
-              <a:rPr lang="es-MX" dirty="0" smtClean="0"/>
+              <a:rPr lang="es-MX" dirty="0" smtClean="0">
+                <a:latin typeface="Bodoni MT" panose="02070603080606020203" pitchFamily="18" charset="0"/>
+              </a:rPr>
               <a:t> (</a:t>
             </a:r>
             <a:r>
-              <a:rPr lang="es-MX" dirty="0" err="1" smtClean="0"/>
+              <a:rPr lang="es-MX" dirty="0" err="1" smtClean="0">
+                <a:latin typeface="Bodoni MT" panose="02070603080606020203" pitchFamily="18" charset="0"/>
+              </a:rPr>
               <a:t>MotifWidgetFactory</a:t>
             </a:r>
             <a:r>
-              <a:rPr lang="es-MX" dirty="0" smtClean="0"/>
+              <a:rPr lang="es-MX" dirty="0" smtClean="0">
+                <a:latin typeface="Bodoni MT" panose="02070603080606020203" pitchFamily="18" charset="0"/>
+              </a:rPr>
               <a:t>, </a:t>
             </a:r>
             <a:r>
-              <a:rPr lang="es-MX" dirty="0" err="1" smtClean="0"/>
+              <a:rPr lang="es-MX" dirty="0" err="1" smtClean="0">
+                <a:latin typeface="Bodoni MT" panose="02070603080606020203" pitchFamily="18" charset="0"/>
+              </a:rPr>
               <a:t>PMWidgetFactory</a:t>
             </a:r>
             <a:r>
-              <a:rPr lang="es-MX" dirty="0" smtClean="0"/>
+              <a:rPr lang="es-MX" dirty="0" smtClean="0">
+                <a:latin typeface="Bodoni MT" panose="02070603080606020203" pitchFamily="18" charset="0"/>
+              </a:rPr>
               <a:t>): implementa las operaciones para crear objetos producto concretos</a:t>
             </a:r>
           </a:p>
           <a:p>
             <a:r>
-              <a:rPr lang="es-MX" dirty="0" err="1" smtClean="0"/>
+              <a:rPr lang="es-MX" dirty="0" err="1" smtClean="0">
+                <a:latin typeface="Bodoni MT" panose="02070603080606020203" pitchFamily="18" charset="0"/>
+              </a:rPr>
               <a:t>AbstractProduct</a:t>
             </a:r>
             <a:r>
-              <a:rPr lang="es-MX" dirty="0" smtClean="0"/>
+              <a:rPr lang="es-MX" dirty="0" smtClean="0">
+                <a:latin typeface="Bodoni MT" panose="02070603080606020203" pitchFamily="18" charset="0"/>
+              </a:rPr>
               <a:t> (</a:t>
             </a:r>
             <a:r>
-              <a:rPr lang="es-MX" dirty="0" err="1" smtClean="0"/>
+              <a:rPr lang="es-MX" dirty="0" err="1" smtClean="0">
+                <a:latin typeface="Bodoni MT" panose="02070603080606020203" pitchFamily="18" charset="0"/>
+              </a:rPr>
               <a:t>Window</a:t>
             </a:r>
             <a:r>
-              <a:rPr lang="es-MX" dirty="0" smtClean="0"/>
+              <a:rPr lang="es-MX" dirty="0" smtClean="0">
+                <a:latin typeface="Bodoni MT" panose="02070603080606020203" pitchFamily="18" charset="0"/>
+              </a:rPr>
               <a:t>, </a:t>
             </a:r>
             <a:r>
-              <a:rPr lang="es-MX" dirty="0" err="1" smtClean="0"/>
+              <a:rPr lang="es-MX" dirty="0" err="1" smtClean="0">
+                <a:latin typeface="Bodoni MT" panose="02070603080606020203" pitchFamily="18" charset="0"/>
+              </a:rPr>
               <a:t>ScrollBar</a:t>
             </a:r>
             <a:r>
-              <a:rPr lang="es-MX" dirty="0" smtClean="0"/>
+              <a:rPr lang="es-MX" dirty="0" smtClean="0">
+                <a:latin typeface="Bodoni MT" panose="02070603080606020203" pitchFamily="18" charset="0"/>
+              </a:rPr>
               <a:t>): define la interfaz de un tipo de objeto producto</a:t>
             </a:r>
           </a:p>
           <a:p>
             <a:r>
-              <a:rPr lang="es-MX" dirty="0" err="1" smtClean="0"/>
+              <a:rPr lang="es-MX" dirty="0" err="1" smtClean="0">
+                <a:latin typeface="Bodoni MT" panose="02070603080606020203" pitchFamily="18" charset="0"/>
+              </a:rPr>
               <a:t>ConcreteProduct</a:t>
             </a:r>
             <a:r>
-              <a:rPr lang="es-MX" dirty="0" smtClean="0"/>
+              <a:rPr lang="es-MX" dirty="0" smtClean="0">
+                <a:latin typeface="Bodoni MT" panose="02070603080606020203" pitchFamily="18" charset="0"/>
+              </a:rPr>
               <a:t> (</a:t>
             </a:r>
             <a:r>
-              <a:rPr lang="es-MX" dirty="0" err="1" smtClean="0"/>
+              <a:rPr lang="es-MX" dirty="0" err="1" smtClean="0">
+                <a:latin typeface="Bodoni MT" panose="02070603080606020203" pitchFamily="18" charset="0"/>
+              </a:rPr>
               <a:t>MotifWindow</a:t>
             </a:r>
             <a:r>
-              <a:rPr lang="es-MX" dirty="0" smtClean="0"/>
+              <a:rPr lang="es-MX" dirty="0" smtClean="0">
+                <a:latin typeface="Bodoni MT" panose="02070603080606020203" pitchFamily="18" charset="0"/>
+              </a:rPr>
               <a:t>, </a:t>
             </a:r>
             <a:r>
-              <a:rPr lang="es-MX" dirty="0" err="1" smtClean="0"/>
+              <a:rPr lang="es-MX" dirty="0" err="1" smtClean="0">
+                <a:latin typeface="Bodoni MT" panose="02070603080606020203" pitchFamily="18" charset="0"/>
+              </a:rPr>
               <a:t>MotifScrollBar</a:t>
             </a:r>
             <a:r>
-              <a:rPr lang="es-MX" dirty="0" smtClean="0"/>
-              <a:t>): define un objeto producto a crear con la factoría concreta correspondiente z implementa la interfaz </a:t>
-            </a:r>
-            <a:r>
-              <a:rPr lang="es-MX" dirty="0" err="1" smtClean="0"/>
+              <a:rPr lang="es-MX" dirty="0" smtClean="0">
+                <a:latin typeface="Bodoni MT" panose="02070603080606020203" pitchFamily="18" charset="0"/>
+              </a:rPr>
+              <a:t>): define un objeto producto a crear con la factoría concreta correspondiente  implementa la interfaz </a:t>
+            </a:r>
+            <a:r>
+              <a:rPr lang="es-MX" dirty="0" err="1" smtClean="0">
+                <a:latin typeface="Bodoni MT" panose="02070603080606020203" pitchFamily="18" charset="0"/>
+              </a:rPr>
               <a:t>AbstractProduct</a:t>
             </a:r>
-            <a:endParaRPr lang="es-MX" dirty="0" smtClean="0"/>
+            <a:endParaRPr lang="es-MX" dirty="0" smtClean="0">
+              <a:latin typeface="Bodoni MT" panose="02070603080606020203" pitchFamily="18" charset="0"/>
+            </a:endParaRPr>
           </a:p>
           <a:p>
             <a:endParaRPr lang="es-MX" dirty="0" smtClean="0"/>
@@ -4258,6 +4502,13 @@
   <p:clrMapOvr>
     <a:masterClrMapping/>
   </p:clrMapOvr>
+  <p:timing>
+    <p:tnLst>
+      <p:par>
+        <p:cTn id="1" dur="indefinite" restart="never" nodeType="tmRoot"/>
+      </p:par>
+    </p:tnLst>
+  </p:timing>
 </p:sld>
 </file>
 
@@ -4299,208 +4550,324 @@
           <a:lstStyle/>
           <a:p>
             <a:r>
-              <a:rPr lang="en-BZ" dirty="0" err="1" smtClean="0"/>
+              <a:rPr lang="en-BZ" dirty="0" err="1" smtClean="0">
+                <a:latin typeface="Bodoni MT" panose="02070603080606020203" pitchFamily="18" charset="0"/>
+              </a:rPr>
+              <a:t>Colaboraciones</a:t>
+            </a:r>
+            <a:r>
+              <a:rPr lang="en-BZ" dirty="0" smtClean="0">
+                <a:latin typeface="Bodoni MT" panose="02070603080606020203" pitchFamily="18" charset="0"/>
+              </a:rPr>
+              <a:t>:</a:t>
+            </a:r>
+          </a:p>
+          <a:p>
+            <a:r>
+              <a:rPr lang="en-BZ" dirty="0" err="1" smtClean="0">
+                <a:latin typeface="Bodoni MT" panose="02070603080606020203" pitchFamily="18" charset="0"/>
+              </a:rPr>
               <a:t>Normalmente</a:t>
             </a:r>
             <a:r>
-              <a:rPr lang="en-BZ" dirty="0" smtClean="0"/>
+              <a:rPr lang="en-BZ" dirty="0" smtClean="0">
+                <a:latin typeface="Bodoni MT" panose="02070603080606020203" pitchFamily="18" charset="0"/>
+              </a:rPr>
               <a:t> </a:t>
             </a:r>
             <a:r>
-              <a:rPr lang="en-BZ" dirty="0" err="1" smtClean="0"/>
+              <a:rPr lang="en-BZ" dirty="0" err="1" smtClean="0">
+                <a:latin typeface="Bodoni MT" panose="02070603080606020203" pitchFamily="18" charset="0"/>
+              </a:rPr>
               <a:t>una</a:t>
             </a:r>
             <a:r>
-              <a:rPr lang="en-BZ" dirty="0" smtClean="0"/>
+              <a:rPr lang="en-BZ" dirty="0" smtClean="0">
+                <a:latin typeface="Bodoni MT" panose="02070603080606020203" pitchFamily="18" charset="0"/>
+              </a:rPr>
               <a:t> </a:t>
             </a:r>
             <a:r>
-              <a:rPr lang="en-BZ" dirty="0" err="1" smtClean="0"/>
+              <a:rPr lang="en-BZ" dirty="0" err="1" smtClean="0">
+                <a:latin typeface="Bodoni MT" panose="02070603080606020203" pitchFamily="18" charset="0"/>
+              </a:rPr>
               <a:t>unica</a:t>
             </a:r>
             <a:r>
-              <a:rPr lang="en-BZ" dirty="0" smtClean="0"/>
+              <a:rPr lang="en-BZ" dirty="0" smtClean="0">
+                <a:latin typeface="Bodoni MT" panose="02070603080606020203" pitchFamily="18" charset="0"/>
+              </a:rPr>
               <a:t> </a:t>
             </a:r>
             <a:r>
-              <a:rPr lang="en-BZ" dirty="0" err="1" smtClean="0"/>
+              <a:rPr lang="en-BZ" dirty="0" err="1" smtClean="0">
+                <a:latin typeface="Bodoni MT" panose="02070603080606020203" pitchFamily="18" charset="0"/>
+              </a:rPr>
               <a:t>instancia</a:t>
             </a:r>
             <a:r>
-              <a:rPr lang="en-BZ" dirty="0" smtClean="0"/>
+              <a:rPr lang="en-BZ" dirty="0" smtClean="0">
+                <a:latin typeface="Bodoni MT" panose="02070603080606020203" pitchFamily="18" charset="0"/>
+              </a:rPr>
               <a:t> de </a:t>
             </a:r>
             <a:r>
-              <a:rPr lang="en-BZ" dirty="0" err="1" smtClean="0"/>
+              <a:rPr lang="en-BZ" dirty="0" err="1" smtClean="0">
+                <a:latin typeface="Bodoni MT" panose="02070603080606020203" pitchFamily="18" charset="0"/>
+              </a:rPr>
               <a:t>cada</a:t>
             </a:r>
             <a:r>
-              <a:rPr lang="en-BZ" dirty="0" smtClean="0"/>
+              <a:rPr lang="en-BZ" dirty="0" smtClean="0">
+                <a:latin typeface="Bodoni MT" panose="02070603080606020203" pitchFamily="18" charset="0"/>
+              </a:rPr>
               <a:t> </a:t>
             </a:r>
             <a:r>
-              <a:rPr lang="en-BZ" dirty="0" err="1" smtClean="0"/>
+              <a:rPr lang="en-BZ" dirty="0" err="1" smtClean="0">
+                <a:latin typeface="Bodoni MT" panose="02070603080606020203" pitchFamily="18" charset="0"/>
+              </a:rPr>
               <a:t>ConcreteFactory</a:t>
             </a:r>
             <a:r>
-              <a:rPr lang="en-BZ" dirty="0" smtClean="0"/>
+              <a:rPr lang="en-BZ" dirty="0" smtClean="0">
+                <a:latin typeface="Bodoni MT" panose="02070603080606020203" pitchFamily="18" charset="0"/>
+              </a:rPr>
               <a:t>  </a:t>
             </a:r>
             <a:r>
-              <a:rPr lang="en-BZ" dirty="0" err="1" smtClean="0"/>
+              <a:rPr lang="en-BZ" dirty="0" err="1" smtClean="0">
+                <a:latin typeface="Bodoni MT" panose="02070603080606020203" pitchFamily="18" charset="0"/>
+              </a:rPr>
               <a:t>es</a:t>
             </a:r>
             <a:r>
-              <a:rPr lang="en-BZ" dirty="0" smtClean="0"/>
+              <a:rPr lang="en-BZ" dirty="0" smtClean="0">
+                <a:latin typeface="Bodoni MT" panose="02070603080606020203" pitchFamily="18" charset="0"/>
+              </a:rPr>
               <a:t> </a:t>
             </a:r>
             <a:r>
-              <a:rPr lang="en-BZ" dirty="0" err="1" smtClean="0"/>
+              <a:rPr lang="en-BZ" dirty="0" err="1" smtClean="0">
+                <a:latin typeface="Bodoni MT" panose="02070603080606020203" pitchFamily="18" charset="0"/>
+              </a:rPr>
               <a:t>creada</a:t>
             </a:r>
             <a:r>
-              <a:rPr lang="en-BZ" dirty="0" smtClean="0"/>
+              <a:rPr lang="en-BZ" dirty="0" smtClean="0">
+                <a:latin typeface="Bodoni MT" panose="02070603080606020203" pitchFamily="18" charset="0"/>
+              </a:rPr>
               <a:t> </a:t>
             </a:r>
             <a:r>
-              <a:rPr lang="en-BZ" dirty="0" err="1" smtClean="0"/>
+              <a:rPr lang="en-BZ" dirty="0" err="1" smtClean="0">
+                <a:latin typeface="Bodoni MT" panose="02070603080606020203" pitchFamily="18" charset="0"/>
+              </a:rPr>
               <a:t>en</a:t>
             </a:r>
             <a:r>
-              <a:rPr lang="en-BZ" dirty="0" smtClean="0"/>
+              <a:rPr lang="en-BZ" dirty="0" smtClean="0">
+                <a:latin typeface="Bodoni MT" panose="02070603080606020203" pitchFamily="18" charset="0"/>
+              </a:rPr>
               <a:t> </a:t>
             </a:r>
             <a:r>
-              <a:rPr lang="en-BZ" dirty="0" err="1" smtClean="0"/>
+              <a:rPr lang="en-BZ" dirty="0" err="1" smtClean="0">
+                <a:latin typeface="Bodoni MT" panose="02070603080606020203" pitchFamily="18" charset="0"/>
+              </a:rPr>
               <a:t>tiempo</a:t>
             </a:r>
             <a:r>
-              <a:rPr lang="en-BZ" dirty="0" smtClean="0"/>
+              <a:rPr lang="en-BZ" dirty="0" smtClean="0">
+                <a:latin typeface="Bodoni MT" panose="02070603080606020203" pitchFamily="18" charset="0"/>
+              </a:rPr>
               <a:t> de </a:t>
             </a:r>
             <a:r>
-              <a:rPr lang="en-BZ" dirty="0" err="1" smtClean="0"/>
-              <a:t>ejecucion.Esta</a:t>
-            </a:r>
-            <a:r>
-              <a:rPr lang="en-BZ" dirty="0" smtClean="0"/>
+              <a:rPr lang="en-BZ" dirty="0" err="1" smtClean="0">
+                <a:latin typeface="Bodoni MT" panose="02070603080606020203" pitchFamily="18" charset="0"/>
+              </a:rPr>
+              <a:t>ejecucion</a:t>
+            </a:r>
+            <a:r>
+              <a:rPr lang="en-BZ" dirty="0" smtClean="0">
+                <a:latin typeface="Bodoni MT" panose="02070603080606020203" pitchFamily="18" charset="0"/>
+              </a:rPr>
+              <a:t>. </a:t>
+            </a:r>
+            <a:r>
+              <a:rPr lang="en-BZ" dirty="0" err="1" smtClean="0">
+                <a:latin typeface="Bodoni MT" panose="02070603080606020203" pitchFamily="18" charset="0"/>
+              </a:rPr>
+              <a:t>Esta</a:t>
+            </a:r>
+            <a:r>
+              <a:rPr lang="en-BZ" dirty="0" smtClean="0">
+                <a:latin typeface="Bodoni MT" panose="02070603080606020203" pitchFamily="18" charset="0"/>
+              </a:rPr>
               <a:t> concrete factory </a:t>
             </a:r>
             <a:r>
-              <a:rPr lang="en-BZ" dirty="0" err="1" smtClean="0"/>
+              <a:rPr lang="en-BZ" dirty="0" err="1" smtClean="0">
+                <a:latin typeface="Bodoni MT" panose="02070603080606020203" pitchFamily="18" charset="0"/>
+              </a:rPr>
               <a:t>crea</a:t>
             </a:r>
             <a:r>
-              <a:rPr lang="en-BZ" dirty="0" smtClean="0"/>
+              <a:rPr lang="en-BZ" dirty="0" smtClean="0">
+                <a:latin typeface="Bodoni MT" panose="02070603080606020203" pitchFamily="18" charset="0"/>
+              </a:rPr>
               <a:t> </a:t>
             </a:r>
             <a:r>
-              <a:rPr lang="en-BZ" dirty="0" err="1" smtClean="0"/>
+              <a:rPr lang="en-BZ" dirty="0" err="1" smtClean="0">
+                <a:latin typeface="Bodoni MT" panose="02070603080606020203" pitchFamily="18" charset="0"/>
+              </a:rPr>
               <a:t>productos</a:t>
             </a:r>
             <a:r>
-              <a:rPr lang="en-BZ" dirty="0" smtClean="0"/>
+              <a:rPr lang="en-BZ" dirty="0" smtClean="0">
+                <a:latin typeface="Bodoni MT" panose="02070603080606020203" pitchFamily="18" charset="0"/>
+              </a:rPr>
               <a:t> </a:t>
             </a:r>
             <a:r>
-              <a:rPr lang="en-BZ" dirty="0" err="1" smtClean="0"/>
+              <a:rPr lang="en-BZ" dirty="0" err="1" smtClean="0">
+                <a:latin typeface="Bodoni MT" panose="02070603080606020203" pitchFamily="18" charset="0"/>
+              </a:rPr>
               <a:t>teniendo</a:t>
             </a:r>
             <a:r>
-              <a:rPr lang="en-BZ" dirty="0" smtClean="0"/>
+              <a:rPr lang="en-BZ" dirty="0" smtClean="0">
+                <a:latin typeface="Bodoni MT" panose="02070603080606020203" pitchFamily="18" charset="0"/>
+              </a:rPr>
               <a:t> </a:t>
             </a:r>
             <a:r>
-              <a:rPr lang="en-BZ" dirty="0" err="1" smtClean="0"/>
+              <a:rPr lang="en-BZ" dirty="0" err="1" smtClean="0">
+                <a:latin typeface="Bodoni MT" panose="02070603080606020203" pitchFamily="18" charset="0"/>
+              </a:rPr>
               <a:t>una</a:t>
             </a:r>
             <a:r>
-              <a:rPr lang="en-BZ" dirty="0" smtClean="0"/>
+              <a:rPr lang="en-BZ" dirty="0" smtClean="0">
+                <a:latin typeface="Bodoni MT" panose="02070603080606020203" pitchFamily="18" charset="0"/>
+              </a:rPr>
               <a:t> </a:t>
             </a:r>
             <a:r>
-              <a:rPr lang="en-BZ" dirty="0" err="1" smtClean="0"/>
+              <a:rPr lang="en-BZ" dirty="0" err="1" smtClean="0">
+                <a:latin typeface="Bodoni MT" panose="02070603080606020203" pitchFamily="18" charset="0"/>
+              </a:rPr>
               <a:t>implementacion</a:t>
             </a:r>
             <a:r>
-              <a:rPr lang="en-BZ" dirty="0" smtClean="0"/>
+              <a:rPr lang="en-BZ" dirty="0" smtClean="0">
+                <a:latin typeface="Bodoni MT" panose="02070603080606020203" pitchFamily="18" charset="0"/>
+              </a:rPr>
+              <a:t> particular. Para </a:t>
+            </a:r>
+            <a:r>
+              <a:rPr lang="en-BZ" dirty="0" err="1" smtClean="0">
+                <a:latin typeface="Bodoni MT" panose="02070603080606020203" pitchFamily="18" charset="0"/>
+              </a:rPr>
+              <a:t>crear</a:t>
+            </a:r>
+            <a:r>
+              <a:rPr lang="en-BZ" dirty="0" smtClean="0">
+                <a:latin typeface="Bodoni MT" panose="02070603080606020203" pitchFamily="18" charset="0"/>
+              </a:rPr>
               <a:t> </a:t>
             </a:r>
             <a:r>
-              <a:rPr lang="en-BZ" dirty="0" err="1" smtClean="0"/>
-              <a:t>particular.Para</a:t>
-            </a:r>
-            <a:r>
-              <a:rPr lang="en-BZ" dirty="0" smtClean="0"/>
+              <a:rPr lang="en-BZ" dirty="0" err="1" smtClean="0">
+                <a:latin typeface="Bodoni MT" panose="02070603080606020203" pitchFamily="18" charset="0"/>
+              </a:rPr>
+              <a:t>diferentes</a:t>
+            </a:r>
+            <a:r>
+              <a:rPr lang="en-BZ" dirty="0" smtClean="0">
+                <a:latin typeface="Bodoni MT" panose="02070603080606020203" pitchFamily="18" charset="0"/>
+              </a:rPr>
               <a:t> </a:t>
             </a:r>
             <a:r>
-              <a:rPr lang="en-BZ" dirty="0" err="1" smtClean="0"/>
-              <a:t>crear</a:t>
-            </a:r>
-            <a:r>
-              <a:rPr lang="en-BZ" dirty="0" smtClean="0"/>
+              <a:rPr lang="en-BZ" dirty="0" err="1" smtClean="0">
+                <a:latin typeface="Bodoni MT" panose="02070603080606020203" pitchFamily="18" charset="0"/>
+              </a:rPr>
+              <a:t>productos</a:t>
+            </a:r>
+            <a:r>
+              <a:rPr lang="en-BZ" dirty="0" smtClean="0">
+                <a:latin typeface="Bodoni MT" panose="02070603080606020203" pitchFamily="18" charset="0"/>
+              </a:rPr>
+              <a:t> de </a:t>
+            </a:r>
+            <a:r>
+              <a:rPr lang="en-BZ" dirty="0" err="1" smtClean="0">
+                <a:latin typeface="Bodoni MT" panose="02070603080606020203" pitchFamily="18" charset="0"/>
+              </a:rPr>
+              <a:t>objetos,los</a:t>
+            </a:r>
+            <a:r>
+              <a:rPr lang="en-BZ" dirty="0" smtClean="0">
+                <a:latin typeface="Bodoni MT" panose="02070603080606020203" pitchFamily="18" charset="0"/>
+              </a:rPr>
               <a:t> </a:t>
             </a:r>
             <a:r>
-              <a:rPr lang="en-BZ" dirty="0" err="1" smtClean="0"/>
+              <a:rPr lang="en-BZ" dirty="0" err="1" smtClean="0">
+                <a:latin typeface="Bodoni MT" panose="02070603080606020203" pitchFamily="18" charset="0"/>
+              </a:rPr>
+              <a:t>clientes</a:t>
+            </a:r>
+            <a:r>
+              <a:rPr lang="en-BZ" dirty="0" smtClean="0">
+                <a:latin typeface="Bodoni MT" panose="02070603080606020203" pitchFamily="18" charset="0"/>
+              </a:rPr>
+              <a:t> </a:t>
+            </a:r>
+            <a:r>
+              <a:rPr lang="en-BZ" dirty="0" err="1" smtClean="0">
+                <a:latin typeface="Bodoni MT" panose="02070603080606020203" pitchFamily="18" charset="0"/>
+              </a:rPr>
+              <a:t>deben</a:t>
+            </a:r>
+            <a:r>
+              <a:rPr lang="en-BZ" dirty="0" smtClean="0">
+                <a:latin typeface="Bodoni MT" panose="02070603080606020203" pitchFamily="18" charset="0"/>
+              </a:rPr>
+              <a:t> </a:t>
+            </a:r>
+            <a:r>
+              <a:rPr lang="en-BZ" dirty="0" err="1" smtClean="0">
+                <a:latin typeface="Bodoni MT" panose="02070603080606020203" pitchFamily="18" charset="0"/>
+              </a:rPr>
+              <a:t>usar</a:t>
+            </a:r>
+            <a:r>
+              <a:rPr lang="en-BZ" dirty="0" smtClean="0">
+                <a:latin typeface="Bodoni MT" panose="02070603080606020203" pitchFamily="18" charset="0"/>
+              </a:rPr>
+              <a:t> </a:t>
+            </a:r>
+            <a:r>
+              <a:rPr lang="en-BZ" dirty="0" err="1" smtClean="0">
+                <a:latin typeface="Bodoni MT" panose="02070603080606020203" pitchFamily="18" charset="0"/>
+              </a:rPr>
               <a:t>diferentes</a:t>
             </a:r>
             <a:r>
-              <a:rPr lang="en-BZ" dirty="0" smtClean="0"/>
-              <a:t> </a:t>
-            </a:r>
-            <a:r>
-              <a:rPr lang="en-BZ" dirty="0" err="1" smtClean="0"/>
-              <a:t>productos</a:t>
-            </a:r>
-            <a:r>
-              <a:rPr lang="en-BZ" dirty="0" smtClean="0"/>
-              <a:t> de </a:t>
-            </a:r>
-            <a:r>
-              <a:rPr lang="en-BZ" dirty="0" err="1" smtClean="0"/>
-              <a:t>objetos,los</a:t>
-            </a:r>
-            <a:r>
-              <a:rPr lang="en-BZ" dirty="0" smtClean="0"/>
-              <a:t> </a:t>
-            </a:r>
-            <a:r>
-              <a:rPr lang="en-BZ" dirty="0" err="1" smtClean="0"/>
-              <a:t>clientes</a:t>
-            </a:r>
-            <a:r>
-              <a:rPr lang="en-BZ" dirty="0" smtClean="0"/>
-              <a:t> </a:t>
-            </a:r>
-            <a:r>
-              <a:rPr lang="en-BZ" dirty="0" err="1" smtClean="0"/>
-              <a:t>deben</a:t>
-            </a:r>
-            <a:r>
-              <a:rPr lang="en-BZ" dirty="0" smtClean="0"/>
-              <a:t> </a:t>
-            </a:r>
-            <a:r>
-              <a:rPr lang="en-BZ" dirty="0" err="1" smtClean="0"/>
-              <a:t>usar</a:t>
-            </a:r>
-            <a:r>
-              <a:rPr lang="en-BZ" dirty="0" smtClean="0"/>
-              <a:t> </a:t>
-            </a:r>
-            <a:r>
-              <a:rPr lang="en-BZ" dirty="0" err="1" smtClean="0"/>
-              <a:t>diferentes</a:t>
-            </a:r>
-            <a:r>
-              <a:rPr lang="en-BZ" dirty="0" smtClean="0"/>
+              <a:rPr lang="en-BZ" dirty="0" smtClean="0">
+                <a:latin typeface="Bodoni MT" panose="02070603080606020203" pitchFamily="18" charset="0"/>
+              </a:rPr>
               <a:t> concrete factory</a:t>
             </a:r>
           </a:p>
           <a:p>
-            <a:endParaRPr lang="es-MX" dirty="0"/>
+            <a:endParaRPr lang="es-MX" dirty="0">
+              <a:latin typeface="Bodoni MT" panose="02070603080606020203" pitchFamily="18" charset="0"/>
+            </a:endParaRPr>
           </a:p>
         </p:txBody>
       </p:sp>
@@ -4514,6 +4881,13 @@
   <p:clrMapOvr>
     <a:masterClrMapping/>
   </p:clrMapOvr>
+  <p:timing>
+    <p:tnLst>
+      <p:par>
+        <p:cTn id="1" dur="indefinite" restart="never" nodeType="tmRoot"/>
+      </p:par>
+    </p:tnLst>
+  </p:timing>
 </p:sld>
 </file>
 
@@ -4555,35 +4929,52 @@
           <a:lstStyle/>
           <a:p>
             <a:r>
-              <a:rPr lang="en-BZ" dirty="0" err="1" smtClean="0"/>
+              <a:rPr lang="en-BZ" dirty="0" err="1" smtClean="0">
+                <a:latin typeface="Bodoni MT" panose="02070603080606020203" pitchFamily="18" charset="0"/>
+              </a:rPr>
               <a:t>Consecuencias</a:t>
             </a:r>
-            <a:endParaRPr lang="en-BZ" dirty="0" smtClean="0"/>
-          </a:p>
-          <a:p>
-            <a:r>
-              <a:rPr lang="es-MX" dirty="0" smtClean="0"/>
+            <a:r>
+              <a:rPr lang="en-BZ" dirty="0" smtClean="0">
+                <a:latin typeface="Bodoni MT" panose="02070603080606020203" pitchFamily="18" charset="0"/>
+              </a:rPr>
+              <a:t>:</a:t>
+            </a:r>
+          </a:p>
+          <a:p>
+            <a:r>
+              <a:rPr lang="es-MX" dirty="0" smtClean="0">
+                <a:latin typeface="Bodoni MT" panose="02070603080606020203" pitchFamily="18" charset="0"/>
+              </a:rPr>
               <a:t>Aísla al cliente de las clases concretas (implementación)  Ayuda a controlar la clase de objetos que crea una aplicación</a:t>
             </a:r>
           </a:p>
           <a:p>
             <a:r>
-              <a:rPr lang="es-MX" dirty="0" smtClean="0"/>
+              <a:rPr lang="es-MX" dirty="0" smtClean="0">
+                <a:latin typeface="Bodoni MT" panose="02070603080606020203" pitchFamily="18" charset="0"/>
+              </a:rPr>
               <a:t>Permite cambiar fácilmente de familia de productos</a:t>
             </a:r>
           </a:p>
           <a:p>
             <a:r>
-              <a:rPr lang="es-MX" dirty="0" smtClean="0"/>
+              <a:rPr lang="es-MX" dirty="0" smtClean="0">
+                <a:latin typeface="Bodoni MT" panose="02070603080606020203" pitchFamily="18" charset="0"/>
+              </a:rPr>
               <a:t>Promueve la consistencia entre productos (esto es, que una aplicación utilice objetos de una sola familia a la vez)</a:t>
             </a:r>
           </a:p>
           <a:p>
             <a:r>
-              <a:rPr lang="es-MX" dirty="0" smtClean="0"/>
+              <a:rPr lang="es-MX" dirty="0" smtClean="0">
+                <a:latin typeface="Bodoni MT" panose="02070603080606020203" pitchFamily="18" charset="0"/>
+              </a:rPr>
               <a:t>La inclusión de nuevos tipos de producto es difícil</a:t>
             </a:r>
-            <a:endParaRPr lang="es-MX" dirty="0"/>
+            <a:endParaRPr lang="es-MX" dirty="0">
+              <a:latin typeface="Bodoni MT" panose="02070603080606020203" pitchFamily="18" charset="0"/>
+            </a:endParaRPr>
           </a:p>
         </p:txBody>
       </p:sp>
@@ -4597,6 +4988,13 @@
   <p:clrMapOvr>
     <a:masterClrMapping/>
   </p:clrMapOvr>
+  <p:timing>
+    <p:tnLst>
+      <p:par>
+        <p:cTn id="1" dur="indefinite" restart="never" nodeType="tmRoot"/>
+      </p:par>
+    </p:tnLst>
+  </p:timing>
 </p:sld>
 </file>
 
@@ -4638,47 +5036,63 @@
           <a:lstStyle/>
           <a:p>
             <a:r>
-              <a:rPr lang="en-BZ" dirty="0" err="1" smtClean="0"/>
+              <a:rPr lang="en-BZ" dirty="0" err="1" smtClean="0">
+                <a:latin typeface="Bodoni MT" panose="02070603080606020203" pitchFamily="18" charset="0"/>
+              </a:rPr>
               <a:t>Implementacion</a:t>
             </a:r>
-            <a:endParaRPr lang="en-BZ" dirty="0" smtClean="0"/>
-          </a:p>
-          <a:p>
-            <a:r>
-              <a:rPr lang="es-MX" dirty="0" smtClean="0"/>
+            <a:endParaRPr lang="en-BZ" dirty="0" smtClean="0">
+              <a:latin typeface="Bodoni MT" panose="02070603080606020203" pitchFamily="18" charset="0"/>
+            </a:endParaRPr>
+          </a:p>
+          <a:p>
+            <a:r>
+              <a:rPr lang="es-MX" dirty="0" smtClean="0">
+                <a:latin typeface="Bodoni MT" panose="02070603080606020203" pitchFamily="18" charset="0"/>
+              </a:rPr>
               <a:t>Factorías como </a:t>
             </a:r>
             <a:r>
-              <a:rPr lang="es-MX" dirty="0" err="1" smtClean="0"/>
+              <a:rPr lang="es-MX" dirty="0" err="1" smtClean="0">
+                <a:latin typeface="Bodoni MT" panose="02070603080606020203" pitchFamily="18" charset="0"/>
+              </a:rPr>
               <a:t>Singleton</a:t>
             </a:r>
             <a:r>
-              <a:rPr lang="es-MX" dirty="0" smtClean="0"/>
+              <a:rPr lang="es-MX" dirty="0" smtClean="0">
+                <a:latin typeface="Bodoni MT" panose="02070603080606020203" pitchFamily="18" charset="0"/>
+              </a:rPr>
               <a:t>  Asegura una sola instancia de factoría concreta por familia</a:t>
             </a:r>
           </a:p>
           <a:p>
             <a:r>
-              <a:rPr lang="es-MX" dirty="0" smtClean="0"/>
-              <a:t>Cómo crear los productos?  Utilizando un </a:t>
-            </a:r>
-            <a:r>
-              <a:rPr lang="es-MX" dirty="0" err="1" smtClean="0"/>
-              <a:t>factory</a:t>
-            </a:r>
-            <a:r>
-              <a:rPr lang="es-MX" dirty="0" smtClean="0"/>
+              <a:rPr lang="es-ES" dirty="0" err="1" smtClean="0">
+                <a:latin typeface="Bodoni MT" panose="02070603080606020203" pitchFamily="18" charset="0"/>
+              </a:rPr>
+              <a:t>Creacion</a:t>
+            </a:r>
+            <a:r>
+              <a:rPr lang="es-ES" dirty="0" smtClean="0">
+                <a:latin typeface="Bodoni MT" panose="02070603080606020203" pitchFamily="18" charset="0"/>
+              </a:rPr>
+              <a:t> de productos: la fabrica abstracta deja que las subclases creen los productos redefiniendo las operaciones de </a:t>
+            </a:r>
+            <a:r>
+              <a:rPr lang="es-ES" dirty="0" err="1" smtClean="0">
+                <a:latin typeface="Bodoni MT" panose="02070603080606020203" pitchFamily="18" charset="0"/>
+              </a:rPr>
+              <a:t>creacion</a:t>
+            </a:r>
+            <a:r>
+              <a:rPr lang="es-ES" dirty="0" smtClean="0">
+                <a:latin typeface="Bodoni MT" panose="02070603080606020203" pitchFamily="18" charset="0"/>
+              </a:rPr>
               <a:t> </a:t>
             </a:r>
-            <a:r>
-              <a:rPr lang="es-MX" dirty="0" err="1" smtClean="0"/>
-              <a:t>method</a:t>
-            </a:r>
-            <a:r>
-              <a:rPr lang="es-MX" dirty="0" smtClean="0"/>
-              <a:t> por producto</a:t>
-            </a:r>
-            <a:endParaRPr lang="es-MX" dirty="0"/>
+            <a:endParaRPr lang="es-MX" dirty="0" smtClean="0">
+              <a:latin typeface="Bodoni MT" panose="02070603080606020203" pitchFamily="18" charset="0"/>
+            </a:endParaRPr>
           </a:p>
         </p:txBody>
       </p:sp>
@@ -4692,6 +5106,13 @@
   <p:clrMapOvr>
     <a:masterClrMapping/>
   </p:clrMapOvr>
+  <p:timing>
+    <p:tnLst>
+      <p:par>
+        <p:cTn id="1" dur="indefinite" restart="never" nodeType="tmRoot"/>
+      </p:par>
+    </p:tnLst>
+  </p:timing>
 </p:sld>
 </file>
 
@@ -4712,72 +5133,260 @@
           <a:chExt cx="0" cy="0"/>
         </a:xfrm>
       </p:grpSpPr>
-      <p:pic>
-        <p:nvPicPr>
-          <p:cNvPr id="2050" name="Picture 2"/>
-          <p:cNvPicPr>
-            <a:picLocks noGrp="1" noChangeAspect="1" noChangeArrowheads="1"/>
-          </p:cNvPicPr>
+      <p:sp>
+        <p:nvSpPr>
+          <p:cNvPr id="3" name="2 Marcador de contenido"/>
+          <p:cNvSpPr>
+            <a:spLocks noGrp="1"/>
+          </p:cNvSpPr>
           <p:nvPr>
             <p:ph idx="1"/>
           </p:nvPr>
-        </p:nvPicPr>
-        <p:blipFill>
-          <a:blip r:embed="rId2">
-            <a:extLst>
-              <a:ext uri="{28A0092B-C50C-407E-A947-70E740481C1C}">
-                <a14:useLocalDpi xmlns:a14="http://schemas.microsoft.com/office/drawing/2010/main" val="0"/>
-              </a:ext>
-            </a:extLst>
-          </a:blip>
-          <a:srcRect/>
-          <a:stretch>
-            <a:fillRect/>
-          </a:stretch>
-        </p:blipFill>
-        <p:spPr bwMode="auto">
+        </p:nvSpPr>
+        <p:spPr>
           <a:xfrm>
-            <a:off x="395536" y="188639"/>
-            <a:ext cx="8352928" cy="6517307"/>
+            <a:off x="457200" y="260648"/>
+            <a:ext cx="8229600" cy="5865515"/>
           </a:xfrm>
-          <a:prstGeom prst="rect">
-            <a:avLst/>
-          </a:prstGeom>
-          <a:noFill/>
-          <a:ln>
-            <a:noFill/>
-          </a:ln>
-          <a:extLst>
-            <a:ext uri="{909E8E84-426E-40DD-AFC4-6F175D3DCCD1}">
-              <a14:hiddenFill xmlns:a14="http://schemas.microsoft.com/office/drawing/2010/main">
-                <a:solidFill>
-                  <a:schemeClr val="accent1"/>
-                </a:solidFill>
-              </a14:hiddenFill>
-            </a:ext>
-            <a:ext uri="{91240B29-F687-4F45-9708-019B960494DF}">
-              <a14:hiddenLine xmlns:a14="http://schemas.microsoft.com/office/drawing/2010/main" w="9525">
-                <a:solidFill>
-                  <a:schemeClr val="tx1"/>
-                </a:solidFill>
-                <a:miter lim="800000"/>
-                <a:headEnd/>
-                <a:tailEnd/>
-              </a14:hiddenLine>
-            </a:ext>
-          </a:extLst>
         </p:spPr>
-      </p:pic>
+        <p:txBody>
+          <a:bodyPr/>
+          <a:lstStyle/>
+          <a:p>
+            <a:r>
+              <a:rPr lang="en-BZ" dirty="0" err="1" smtClean="0">
+                <a:latin typeface="Bodoni MT" panose="02070603080606020203" pitchFamily="18" charset="0"/>
+              </a:rPr>
+              <a:t>Usos</a:t>
+            </a:r>
+            <a:r>
+              <a:rPr lang="en-BZ" dirty="0" smtClean="0">
+                <a:latin typeface="Bodoni MT" panose="02070603080606020203" pitchFamily="18" charset="0"/>
+              </a:rPr>
+              <a:t> </a:t>
+            </a:r>
+            <a:r>
+              <a:rPr lang="en-BZ" dirty="0" err="1" smtClean="0">
+                <a:latin typeface="Bodoni MT" panose="02070603080606020203" pitchFamily="18" charset="0"/>
+              </a:rPr>
+              <a:t>conocidos</a:t>
+            </a:r>
+            <a:r>
+              <a:rPr lang="en-BZ" dirty="0">
+                <a:latin typeface="Bodoni MT" panose="02070603080606020203" pitchFamily="18" charset="0"/>
+              </a:rPr>
+              <a:t>:</a:t>
+            </a:r>
+            <a:endParaRPr lang="en-BZ" dirty="0" smtClean="0">
+              <a:latin typeface="Bodoni MT" panose="02070603080606020203" pitchFamily="18" charset="0"/>
+            </a:endParaRPr>
+          </a:p>
+          <a:p>
+            <a:r>
+              <a:rPr lang="en-BZ" dirty="0" smtClean="0">
+                <a:latin typeface="Bodoni MT" panose="02070603080606020203" pitchFamily="18" charset="0"/>
+              </a:rPr>
+              <a:t>ET++ </a:t>
+            </a:r>
+            <a:r>
+              <a:rPr lang="en-BZ" dirty="0" err="1" smtClean="0">
+                <a:latin typeface="Bodoni MT" panose="02070603080606020203" pitchFamily="18" charset="0"/>
+              </a:rPr>
+              <a:t>usa</a:t>
+            </a:r>
+            <a:r>
+              <a:rPr lang="en-BZ" dirty="0" smtClean="0">
+                <a:latin typeface="Bodoni MT" panose="02070603080606020203" pitchFamily="18" charset="0"/>
+              </a:rPr>
+              <a:t> abstract factory para </a:t>
+            </a:r>
+            <a:r>
+              <a:rPr lang="en-BZ" dirty="0" err="1" smtClean="0">
+                <a:latin typeface="Bodoni MT" panose="02070603080606020203" pitchFamily="18" charset="0"/>
+              </a:rPr>
+              <a:t>archivar</a:t>
+            </a:r>
+            <a:r>
+              <a:rPr lang="en-BZ" dirty="0" smtClean="0">
+                <a:latin typeface="Bodoni MT" panose="02070603080606020203" pitchFamily="18" charset="0"/>
+              </a:rPr>
+              <a:t> </a:t>
+            </a:r>
+            <a:r>
+              <a:rPr lang="en-BZ" dirty="0" err="1" smtClean="0">
+                <a:latin typeface="Bodoni MT" panose="02070603080606020203" pitchFamily="18" charset="0"/>
+              </a:rPr>
+              <a:t>portablemente</a:t>
+            </a:r>
+            <a:r>
+              <a:rPr lang="en-BZ" dirty="0" smtClean="0">
+                <a:latin typeface="Bodoni MT" panose="02070603080606020203" pitchFamily="18" charset="0"/>
+              </a:rPr>
+              <a:t> </a:t>
+            </a:r>
+            <a:r>
+              <a:rPr lang="en-BZ" dirty="0" err="1" smtClean="0">
+                <a:latin typeface="Bodoni MT" panose="02070603080606020203" pitchFamily="18" charset="0"/>
+              </a:rPr>
+              <a:t>sobre</a:t>
+            </a:r>
+            <a:r>
+              <a:rPr lang="en-BZ" dirty="0" smtClean="0">
+                <a:latin typeface="Bodoni MT" panose="02070603080606020203" pitchFamily="18" charset="0"/>
+              </a:rPr>
+              <a:t> </a:t>
+            </a:r>
+            <a:r>
+              <a:rPr lang="en-BZ" dirty="0" err="1" smtClean="0">
+                <a:latin typeface="Bodoni MT" panose="02070603080606020203" pitchFamily="18" charset="0"/>
+              </a:rPr>
+              <a:t>diferentes</a:t>
+            </a:r>
+            <a:r>
+              <a:rPr lang="en-BZ" dirty="0" smtClean="0">
+                <a:latin typeface="Bodoni MT" panose="02070603080606020203" pitchFamily="18" charset="0"/>
+              </a:rPr>
+              <a:t> </a:t>
+            </a:r>
+            <a:r>
+              <a:rPr lang="en-BZ" dirty="0" err="1" smtClean="0">
+                <a:latin typeface="Bodoni MT" panose="02070603080606020203" pitchFamily="18" charset="0"/>
+              </a:rPr>
+              <a:t>sitemas</a:t>
+            </a:r>
+            <a:r>
+              <a:rPr lang="en-BZ" dirty="0" smtClean="0">
+                <a:latin typeface="Bodoni MT" panose="02070603080606020203" pitchFamily="18" charset="0"/>
+              </a:rPr>
+              <a:t> windows</a:t>
+            </a:r>
+          </a:p>
+          <a:p>
+            <a:r>
+              <a:rPr lang="en-BZ" dirty="0" smtClean="0">
+                <a:latin typeface="Bodoni MT" panose="02070603080606020203" pitchFamily="18" charset="0"/>
+              </a:rPr>
+              <a:t>La </a:t>
+            </a:r>
+            <a:r>
+              <a:rPr lang="en-BZ" dirty="0" err="1" smtClean="0">
+                <a:latin typeface="Bodoni MT" panose="02070603080606020203" pitchFamily="18" charset="0"/>
+              </a:rPr>
+              <a:t>clase</a:t>
+            </a:r>
+            <a:r>
+              <a:rPr lang="en-BZ" dirty="0" smtClean="0">
+                <a:latin typeface="Bodoni MT" panose="02070603080606020203" pitchFamily="18" charset="0"/>
+              </a:rPr>
+              <a:t> base </a:t>
+            </a:r>
+            <a:r>
+              <a:rPr lang="en-BZ" dirty="0" err="1" smtClean="0">
+                <a:latin typeface="Bodoni MT" panose="02070603080606020203" pitchFamily="18" charset="0"/>
+              </a:rPr>
+              <a:t>abstracta</a:t>
+            </a:r>
+            <a:r>
+              <a:rPr lang="en-BZ" dirty="0" smtClean="0">
+                <a:latin typeface="Bodoni MT" panose="02070603080606020203" pitchFamily="18" charset="0"/>
+              </a:rPr>
+              <a:t> windows System define la </a:t>
+            </a:r>
+            <a:r>
+              <a:rPr lang="en-BZ" dirty="0" err="1" smtClean="0">
+                <a:latin typeface="Bodoni MT" panose="02070603080606020203" pitchFamily="18" charset="0"/>
+              </a:rPr>
+              <a:t>interfaz</a:t>
+            </a:r>
+            <a:r>
+              <a:rPr lang="en-BZ" dirty="0" smtClean="0">
+                <a:latin typeface="Bodoni MT" panose="02070603080606020203" pitchFamily="18" charset="0"/>
+              </a:rPr>
+              <a:t> para </a:t>
+            </a:r>
+            <a:r>
+              <a:rPr lang="en-BZ" dirty="0" err="1" smtClean="0">
+                <a:latin typeface="Bodoni MT" panose="02070603080606020203" pitchFamily="18" charset="0"/>
+              </a:rPr>
+              <a:t>crear</a:t>
+            </a:r>
+            <a:r>
+              <a:rPr lang="en-BZ" dirty="0" smtClean="0">
+                <a:latin typeface="Bodoni MT" panose="02070603080606020203" pitchFamily="18" charset="0"/>
+              </a:rPr>
+              <a:t> </a:t>
+            </a:r>
+            <a:r>
+              <a:rPr lang="en-BZ" dirty="0" err="1" smtClean="0">
+                <a:latin typeface="Bodoni MT" panose="02070603080606020203" pitchFamily="18" charset="0"/>
+              </a:rPr>
+              <a:t>objetos</a:t>
+            </a:r>
+            <a:r>
+              <a:rPr lang="en-BZ" dirty="0" smtClean="0">
+                <a:latin typeface="Bodoni MT" panose="02070603080606020203" pitchFamily="18" charset="0"/>
+              </a:rPr>
+              <a:t> que </a:t>
+            </a:r>
+            <a:r>
+              <a:rPr lang="en-BZ" dirty="0" err="1" smtClean="0">
+                <a:latin typeface="Bodoni MT" panose="02070603080606020203" pitchFamily="18" charset="0"/>
+              </a:rPr>
+              <a:t>representan</a:t>
+            </a:r>
+            <a:r>
+              <a:rPr lang="en-BZ" dirty="0" smtClean="0">
+                <a:latin typeface="Bodoni MT" panose="02070603080606020203" pitchFamily="18" charset="0"/>
+              </a:rPr>
+              <a:t> </a:t>
+            </a:r>
+            <a:r>
+              <a:rPr lang="en-BZ" dirty="0" err="1" smtClean="0">
+                <a:latin typeface="Bodoni MT" panose="02070603080606020203" pitchFamily="18" charset="0"/>
+              </a:rPr>
+              <a:t>recursos</a:t>
+            </a:r>
+            <a:r>
+              <a:rPr lang="en-BZ" dirty="0" smtClean="0">
+                <a:latin typeface="Bodoni MT" panose="02070603080606020203" pitchFamily="18" charset="0"/>
+              </a:rPr>
+              <a:t> del </a:t>
+            </a:r>
+            <a:r>
+              <a:rPr lang="en-BZ" dirty="0" err="1" smtClean="0">
+                <a:latin typeface="Bodoni MT" panose="02070603080606020203" pitchFamily="18" charset="0"/>
+              </a:rPr>
+              <a:t>sistema</a:t>
+            </a:r>
+            <a:r>
+              <a:rPr lang="en-BZ" dirty="0" smtClean="0">
+                <a:latin typeface="Bodoni MT" panose="02070603080606020203" pitchFamily="18" charset="0"/>
+              </a:rPr>
+              <a:t> windows</a:t>
+            </a:r>
+          </a:p>
+          <a:p>
+            <a:endParaRPr lang="es-MX" dirty="0"/>
+          </a:p>
+        </p:txBody>
+      </p:sp>
     </p:spTree>
     <p:extLst>
       <p:ext uri="{BB962C8B-B14F-4D97-AF65-F5344CB8AC3E}">
-        <p14:creationId xmlns:p14="http://schemas.microsoft.com/office/powerpoint/2010/main" val="2876132667"/>
+        <p14:creationId xmlns:p14="http://schemas.microsoft.com/office/powerpoint/2010/main" val="289879771"/>
       </p:ext>
     </p:extLst>
   </p:cSld>
   <p:clrMapOvr>
     <a:masterClrMapping/>
   </p:clrMapOvr>
+  <p:timing>
+    <p:tnLst>
+      <p:par>
+        <p:cTn id="1" dur="indefinite" restart="never" nodeType="tmRoot"/>
+      </p:par>
+    </p:tnLst>
+  </p:timing>
 </p:sld>
 </file>
 
